--- a/java/quickstart/Java training.pptx
+++ b/java/quickstart/Java training.pptx
@@ -14,8 +14,11 @@
     <p:sldId id="262" r:id="rId8"/>
     <p:sldId id="263" r:id="rId9"/>
     <p:sldId id="264" r:id="rId10"/>
-    <p:sldId id="265" r:id="rId11"/>
-    <p:sldId id="266" r:id="rId12"/>
+    <p:sldId id="266" r:id="rId11"/>
+    <p:sldId id="267" r:id="rId12"/>
+    <p:sldId id="268" r:id="rId13"/>
+    <p:sldId id="269" r:id="rId14"/>
+    <p:sldId id="270" r:id="rId15"/>
   </p:sldIdLst>
   <p:sldSz cx="12192000" cy="6858000"/>
   <p:notesSz cx="6858000" cy="9144000"/>
@@ -114,6 +117,11 @@
       </a:defRPr>
     </a:lvl9pPr>
   </p:defaultTextStyle>
+  <p:extLst>
+    <p:ext uri="{EFAFB233-063F-42B5-8137-9DF3F51BA10A}">
+      <p15:sldGuideLst xmlns:p15="http://schemas.microsoft.com/office/powerpoint/2012/main"/>
+    </p:ext>
+  </p:extLst>
 </p:presentation>
 </file>
 
@@ -266,7 +274,7 @@
           <a:p>
             <a:fld id="{9B8469E6-A5EE-4ABF-BC0F-FBDE4A78EF60}" type="datetimeFigureOut">
               <a:rPr lang="LID4096" smtClean="0"/>
-              <a:t>07/16/2024</a:t>
+              <a:t>07/17/2024</a:t>
             </a:fld>
             <a:endParaRPr lang="LID4096"/>
           </a:p>
@@ -320,7 +328,7 @@
           <a:p>
             <a:fld id="{FE7BB101-C36A-4971-832A-793318E850F7}" type="slidenum">
               <a:rPr lang="LID4096" smtClean="0"/>
-              <a:t>‹nr.›</a:t>
+              <a:t>‹#›</a:t>
             </a:fld>
             <a:endParaRPr lang="LID4096"/>
           </a:p>
@@ -466,7 +474,7 @@
           <a:p>
             <a:fld id="{9B8469E6-A5EE-4ABF-BC0F-FBDE4A78EF60}" type="datetimeFigureOut">
               <a:rPr lang="LID4096" smtClean="0"/>
-              <a:t>07/16/2024</a:t>
+              <a:t>07/17/2024</a:t>
             </a:fld>
             <a:endParaRPr lang="LID4096"/>
           </a:p>
@@ -520,7 +528,7 @@
           <a:p>
             <a:fld id="{FE7BB101-C36A-4971-832A-793318E850F7}" type="slidenum">
               <a:rPr lang="LID4096" smtClean="0"/>
-              <a:t>‹nr.›</a:t>
+              <a:t>‹#›</a:t>
             </a:fld>
             <a:endParaRPr lang="LID4096"/>
           </a:p>
@@ -676,7 +684,7 @@
           <a:p>
             <a:fld id="{9B8469E6-A5EE-4ABF-BC0F-FBDE4A78EF60}" type="datetimeFigureOut">
               <a:rPr lang="LID4096" smtClean="0"/>
-              <a:t>07/16/2024</a:t>
+              <a:t>07/17/2024</a:t>
             </a:fld>
             <a:endParaRPr lang="LID4096"/>
           </a:p>
@@ -730,7 +738,7 @@
           <a:p>
             <a:fld id="{FE7BB101-C36A-4971-832A-793318E850F7}" type="slidenum">
               <a:rPr lang="LID4096" smtClean="0"/>
-              <a:t>‹nr.›</a:t>
+              <a:t>‹#›</a:t>
             </a:fld>
             <a:endParaRPr lang="LID4096"/>
           </a:p>
@@ -876,7 +884,7 @@
           <a:p>
             <a:fld id="{9B8469E6-A5EE-4ABF-BC0F-FBDE4A78EF60}" type="datetimeFigureOut">
               <a:rPr lang="LID4096" smtClean="0"/>
-              <a:t>07/16/2024</a:t>
+              <a:t>07/17/2024</a:t>
             </a:fld>
             <a:endParaRPr lang="LID4096"/>
           </a:p>
@@ -930,7 +938,7 @@
           <a:p>
             <a:fld id="{FE7BB101-C36A-4971-832A-793318E850F7}" type="slidenum">
               <a:rPr lang="LID4096" smtClean="0"/>
-              <a:t>‹nr.›</a:t>
+              <a:t>‹#›</a:t>
             </a:fld>
             <a:endParaRPr lang="LID4096"/>
           </a:p>
@@ -1152,7 +1160,7 @@
           <a:p>
             <a:fld id="{9B8469E6-A5EE-4ABF-BC0F-FBDE4A78EF60}" type="datetimeFigureOut">
               <a:rPr lang="LID4096" smtClean="0"/>
-              <a:t>07/16/2024</a:t>
+              <a:t>07/17/2024</a:t>
             </a:fld>
             <a:endParaRPr lang="LID4096"/>
           </a:p>
@@ -1206,7 +1214,7 @@
           <a:p>
             <a:fld id="{FE7BB101-C36A-4971-832A-793318E850F7}" type="slidenum">
               <a:rPr lang="LID4096" smtClean="0"/>
-              <a:t>‹nr.›</a:t>
+              <a:t>‹#›</a:t>
             </a:fld>
             <a:endParaRPr lang="LID4096"/>
           </a:p>
@@ -1420,7 +1428,7 @@
           <a:p>
             <a:fld id="{9B8469E6-A5EE-4ABF-BC0F-FBDE4A78EF60}" type="datetimeFigureOut">
               <a:rPr lang="LID4096" smtClean="0"/>
-              <a:t>07/16/2024</a:t>
+              <a:t>07/17/2024</a:t>
             </a:fld>
             <a:endParaRPr lang="LID4096"/>
           </a:p>
@@ -1474,7 +1482,7 @@
           <a:p>
             <a:fld id="{FE7BB101-C36A-4971-832A-793318E850F7}" type="slidenum">
               <a:rPr lang="LID4096" smtClean="0"/>
-              <a:t>‹nr.›</a:t>
+              <a:t>‹#›</a:t>
             </a:fld>
             <a:endParaRPr lang="LID4096"/>
           </a:p>
@@ -1835,7 +1843,7 @@
           <a:p>
             <a:fld id="{9B8469E6-A5EE-4ABF-BC0F-FBDE4A78EF60}" type="datetimeFigureOut">
               <a:rPr lang="LID4096" smtClean="0"/>
-              <a:t>07/16/2024</a:t>
+              <a:t>07/17/2024</a:t>
             </a:fld>
             <a:endParaRPr lang="LID4096"/>
           </a:p>
@@ -1889,7 +1897,7 @@
           <a:p>
             <a:fld id="{FE7BB101-C36A-4971-832A-793318E850F7}" type="slidenum">
               <a:rPr lang="LID4096" smtClean="0"/>
-              <a:t>‹nr.›</a:t>
+              <a:t>‹#›</a:t>
             </a:fld>
             <a:endParaRPr lang="LID4096"/>
           </a:p>
@@ -1977,7 +1985,7 @@
           <a:p>
             <a:fld id="{9B8469E6-A5EE-4ABF-BC0F-FBDE4A78EF60}" type="datetimeFigureOut">
               <a:rPr lang="LID4096" smtClean="0"/>
-              <a:t>07/16/2024</a:t>
+              <a:t>07/17/2024</a:t>
             </a:fld>
             <a:endParaRPr lang="LID4096"/>
           </a:p>
@@ -2031,7 +2039,7 @@
           <a:p>
             <a:fld id="{FE7BB101-C36A-4971-832A-793318E850F7}" type="slidenum">
               <a:rPr lang="LID4096" smtClean="0"/>
-              <a:t>‹nr.›</a:t>
+              <a:t>‹#›</a:t>
             </a:fld>
             <a:endParaRPr lang="LID4096"/>
           </a:p>
@@ -2090,7 +2098,7 @@
           <a:p>
             <a:fld id="{9B8469E6-A5EE-4ABF-BC0F-FBDE4A78EF60}" type="datetimeFigureOut">
               <a:rPr lang="LID4096" smtClean="0"/>
-              <a:t>07/16/2024</a:t>
+              <a:t>07/17/2024</a:t>
             </a:fld>
             <a:endParaRPr lang="LID4096"/>
           </a:p>
@@ -2144,7 +2152,7 @@
           <a:p>
             <a:fld id="{FE7BB101-C36A-4971-832A-793318E850F7}" type="slidenum">
               <a:rPr lang="LID4096" smtClean="0"/>
-              <a:t>‹nr.›</a:t>
+              <a:t>‹#›</a:t>
             </a:fld>
             <a:endParaRPr lang="LID4096"/>
           </a:p>
@@ -2403,7 +2411,7 @@
           <a:p>
             <a:fld id="{9B8469E6-A5EE-4ABF-BC0F-FBDE4A78EF60}" type="datetimeFigureOut">
               <a:rPr lang="LID4096" smtClean="0"/>
-              <a:t>07/16/2024</a:t>
+              <a:t>07/17/2024</a:t>
             </a:fld>
             <a:endParaRPr lang="LID4096"/>
           </a:p>
@@ -2457,7 +2465,7 @@
           <a:p>
             <a:fld id="{FE7BB101-C36A-4971-832A-793318E850F7}" type="slidenum">
               <a:rPr lang="LID4096" smtClean="0"/>
-              <a:t>‹nr.›</a:t>
+              <a:t>‹#›</a:t>
             </a:fld>
             <a:endParaRPr lang="LID4096"/>
           </a:p>
@@ -2692,7 +2700,7 @@
           <a:p>
             <a:fld id="{9B8469E6-A5EE-4ABF-BC0F-FBDE4A78EF60}" type="datetimeFigureOut">
               <a:rPr lang="LID4096" smtClean="0"/>
-              <a:t>07/16/2024</a:t>
+              <a:t>07/17/2024</a:t>
             </a:fld>
             <a:endParaRPr lang="LID4096"/>
           </a:p>
@@ -2746,7 +2754,7 @@
           <a:p>
             <a:fld id="{FE7BB101-C36A-4971-832A-793318E850F7}" type="slidenum">
               <a:rPr lang="LID4096" smtClean="0"/>
-              <a:t>‹nr.›</a:t>
+              <a:t>‹#›</a:t>
             </a:fld>
             <a:endParaRPr lang="LID4096"/>
           </a:p>
@@ -2935,7 +2943,7 @@
           <a:p>
             <a:fld id="{9B8469E6-A5EE-4ABF-BC0F-FBDE4A78EF60}" type="datetimeFigureOut">
               <a:rPr lang="LID4096" smtClean="0"/>
-              <a:t>07/16/2024</a:t>
+              <a:t>07/17/2024</a:t>
             </a:fld>
             <a:endParaRPr lang="LID4096"/>
           </a:p>
@@ -3025,7 +3033,7 @@
           <a:p>
             <a:fld id="{FE7BB101-C36A-4971-832A-793318E850F7}" type="slidenum">
               <a:rPr lang="LID4096" smtClean="0"/>
-              <a:t>‹nr.›</a:t>
+              <a:t>‹#›</a:t>
             </a:fld>
             <a:endParaRPr lang="LID4096"/>
           </a:p>
@@ -3445,259 +3453,6 @@
           <p:cNvPr id="2" name="Titel 1">
             <a:extLst>
               <a:ext uri="{FF2B5EF4-FFF2-40B4-BE49-F238E27FC236}">
-                <a16:creationId xmlns:a16="http://schemas.microsoft.com/office/drawing/2014/main" id="{8DF309BB-A1E0-2A70-456D-83DC07422508}"/>
-              </a:ext>
-            </a:extLst>
-          </p:cNvPr>
-          <p:cNvSpPr>
-            <a:spLocks noGrp="1"/>
-          </p:cNvSpPr>
-          <p:nvPr>
-            <p:ph type="title"/>
-          </p:nvPr>
-        </p:nvSpPr>
-        <p:spPr/>
-        <p:txBody>
-          <a:bodyPr/>
-          <a:lstStyle/>
-          <a:p>
-            <a:r>
-              <a:rPr lang="en-GB" dirty="0" err="1"/>
-              <a:t>Oefening</a:t>
-            </a:r>
-            <a:r>
-              <a:rPr lang="en-GB" dirty="0"/>
-              <a:t> 4 : Database </a:t>
-            </a:r>
-            <a:r>
-              <a:rPr lang="en-GB" dirty="0" err="1"/>
-              <a:t>applicatie</a:t>
-            </a:r>
-            <a:endParaRPr lang="LID4096" dirty="0"/>
-          </a:p>
-        </p:txBody>
-      </p:sp>
-      <p:sp>
-        <p:nvSpPr>
-          <p:cNvPr id="3" name="Tijdelijke aanduiding voor inhoud 2">
-            <a:extLst>
-              <a:ext uri="{FF2B5EF4-FFF2-40B4-BE49-F238E27FC236}">
-                <a16:creationId xmlns:a16="http://schemas.microsoft.com/office/drawing/2014/main" id="{5E771A6C-0308-8B05-B2FE-5DBCCCEA1582}"/>
-              </a:ext>
-            </a:extLst>
-          </p:cNvPr>
-          <p:cNvSpPr>
-            <a:spLocks noGrp="1"/>
-          </p:cNvSpPr>
-          <p:nvPr>
-            <p:ph idx="1"/>
-          </p:nvPr>
-        </p:nvSpPr>
-        <p:spPr>
-          <a:xfrm>
-            <a:off x="838200" y="1825625"/>
-            <a:ext cx="10515600" cy="2645791"/>
-          </a:xfrm>
-        </p:spPr>
-        <p:txBody>
-          <a:bodyPr/>
-          <a:lstStyle/>
-          <a:p>
-            <a:r>
-              <a:rPr lang="en-GB" sz="1800" dirty="0"/>
-              <a:t>Start de database in XAMPP</a:t>
-            </a:r>
-          </a:p>
-          <a:p>
-            <a:endParaRPr lang="en-GB" sz="1800" dirty="0"/>
-          </a:p>
-          <a:p>
-            <a:r>
-              <a:rPr lang="en-GB" sz="1800" dirty="0"/>
-              <a:t>Start tomcat in command line  ( in c:\xampp\tomcat\catalina_start.bat)</a:t>
-            </a:r>
-          </a:p>
-          <a:p>
-            <a:r>
-              <a:rPr lang="en-GB" sz="1800" dirty="0"/>
-              <a:t>Als het </a:t>
-            </a:r>
-            <a:r>
-              <a:rPr lang="en-GB" sz="1800" dirty="0" err="1"/>
-              <a:t>niet</a:t>
-            </a:r>
-            <a:r>
-              <a:rPr lang="en-GB" sz="1800" dirty="0"/>
-              <a:t> start </a:t>
-            </a:r>
-            <a:r>
-              <a:rPr lang="en-GB" sz="1800" dirty="0" err="1"/>
-              <a:t>zorg</a:t>
-            </a:r>
-            <a:r>
-              <a:rPr lang="en-GB" sz="1800" dirty="0"/>
-              <a:t> </a:t>
-            </a:r>
-            <a:r>
-              <a:rPr lang="en-GB" sz="1800" dirty="0" err="1"/>
-              <a:t>dat</a:t>
-            </a:r>
-            <a:r>
-              <a:rPr lang="en-GB" sz="1800" dirty="0"/>
-              <a:t> je de </a:t>
-            </a:r>
-            <a:r>
-              <a:rPr lang="en-GB" sz="1800" dirty="0" err="1"/>
-              <a:t>juiste</a:t>
-            </a:r>
-            <a:r>
-              <a:rPr lang="en-GB" sz="1800" dirty="0"/>
-              <a:t> JAVA_HOME parameter </a:t>
-            </a:r>
-            <a:r>
-              <a:rPr lang="en-GB" sz="1800" dirty="0" err="1"/>
-              <a:t>zet</a:t>
-            </a:r>
-            <a:endParaRPr lang="en-GB" sz="1800" dirty="0"/>
-          </a:p>
-          <a:p>
-            <a:r>
-              <a:rPr lang="en-GB" sz="1800" dirty="0"/>
-              <a:t>Set JAVA_HOME=path </a:t>
-            </a:r>
-            <a:r>
-              <a:rPr lang="en-GB" sz="1800" dirty="0" err="1"/>
-              <a:t>naar</a:t>
-            </a:r>
-            <a:r>
-              <a:rPr lang="en-GB" sz="1800" dirty="0"/>
-              <a:t> de JDK folder  (</a:t>
-            </a:r>
-            <a:r>
-              <a:rPr lang="en-GB" sz="1800" dirty="0" err="1"/>
-              <a:t>bijv</a:t>
-            </a:r>
-            <a:r>
-              <a:rPr lang="en-GB" sz="1800" dirty="0"/>
-              <a:t> c:\java\jdk17)</a:t>
-            </a:r>
-          </a:p>
-          <a:p>
-            <a:r>
-              <a:rPr lang="en-GB" sz="1800" dirty="0"/>
-              <a:t>Als </a:t>
-            </a:r>
-            <a:r>
-              <a:rPr lang="en-GB" sz="1800" dirty="0" err="1"/>
-              <a:t>dit</a:t>
-            </a:r>
-            <a:r>
-              <a:rPr lang="en-GB" sz="1800" dirty="0"/>
-              <a:t> </a:t>
-            </a:r>
-            <a:r>
-              <a:rPr lang="en-GB" sz="1800" dirty="0" err="1"/>
-              <a:t>nog</a:t>
-            </a:r>
-            <a:r>
-              <a:rPr lang="en-GB" sz="1800" dirty="0"/>
-              <a:t> </a:t>
-            </a:r>
-            <a:r>
-              <a:rPr lang="en-GB" sz="1800" dirty="0" err="1"/>
-              <a:t>niet</a:t>
-            </a:r>
-            <a:r>
-              <a:rPr lang="en-GB" sz="1800" dirty="0"/>
-              <a:t> </a:t>
-            </a:r>
-            <a:r>
-              <a:rPr lang="en-GB" sz="1800" dirty="0" err="1"/>
-              <a:t>lukt</a:t>
-            </a:r>
-            <a:r>
-              <a:rPr lang="en-GB" sz="1800" dirty="0"/>
-              <a:t> de catalina_start.bat </a:t>
-            </a:r>
-            <a:r>
-              <a:rPr lang="en-GB" sz="1800" dirty="0" err="1"/>
-              <a:t>aanpassen</a:t>
-            </a:r>
-            <a:endParaRPr lang="en-GB" sz="1800" dirty="0"/>
-          </a:p>
-          <a:p>
-            <a:endParaRPr lang="en-GB" dirty="0"/>
-          </a:p>
-          <a:p>
-            <a:endParaRPr lang="LID4096" dirty="0"/>
-          </a:p>
-        </p:txBody>
-      </p:sp>
-      <p:pic>
-        <p:nvPicPr>
-          <p:cNvPr id="5" name="Afbeelding 4">
-            <a:extLst>
-              <a:ext uri="{FF2B5EF4-FFF2-40B4-BE49-F238E27FC236}">
-                <a16:creationId xmlns:a16="http://schemas.microsoft.com/office/drawing/2014/main" id="{DC58F9CC-746F-E58D-D137-40F3E3CB5B0F}"/>
-              </a:ext>
-            </a:extLst>
-          </p:cNvPr>
-          <p:cNvPicPr>
-            <a:picLocks noChangeAspect="1"/>
-          </p:cNvPicPr>
-          <p:nvPr/>
-        </p:nvPicPr>
-        <p:blipFill>
-          <a:blip r:embed="rId2"/>
-          <a:stretch>
-            <a:fillRect/>
-          </a:stretch>
-        </p:blipFill>
-        <p:spPr>
-          <a:xfrm>
-            <a:off x="911352" y="2149955"/>
-            <a:ext cx="5277587" cy="400106"/>
-          </a:xfrm>
-          <a:prstGeom prst="rect">
-            <a:avLst/>
-          </a:prstGeom>
-        </p:spPr>
-      </p:pic>
-    </p:spTree>
-    <p:extLst>
-      <p:ext uri="{BB962C8B-B14F-4D97-AF65-F5344CB8AC3E}">
-        <p14:creationId xmlns:p14="http://schemas.microsoft.com/office/powerpoint/2010/main" val="2917007020"/>
-      </p:ext>
-    </p:extLst>
-  </p:cSld>
-  <p:clrMapOvr>
-    <a:masterClrMapping/>
-  </p:clrMapOvr>
-</p:sld>
-</file>
-
-<file path=ppt/slides/slide11.xml><?xml version="1.0" encoding="utf-8"?>
-<p:sld xmlns:a="http://schemas.openxmlformats.org/drawingml/2006/main" xmlns:r="http://schemas.openxmlformats.org/officeDocument/2006/relationships" xmlns:p="http://schemas.openxmlformats.org/presentationml/2006/main">
-  <p:cSld>
-    <p:spTree>
-      <p:nvGrpSpPr>
-        <p:cNvPr id="1" name=""/>
-        <p:cNvGrpSpPr/>
-        <p:nvPr/>
-      </p:nvGrpSpPr>
-      <p:grpSpPr>
-        <a:xfrm>
-          <a:off x="0" y="0"/>
-          <a:ext cx="0" cy="0"/>
-          <a:chOff x="0" y="0"/>
-          <a:chExt cx="0" cy="0"/>
-        </a:xfrm>
-      </p:grpSpPr>
-      <p:sp>
-        <p:nvSpPr>
-          <p:cNvPr id="2" name="Titel 1">
-            <a:extLst>
-              <a:ext uri="{FF2B5EF4-FFF2-40B4-BE49-F238E27FC236}">
                 <a16:creationId xmlns:a16="http://schemas.microsoft.com/office/drawing/2014/main" id="{CEB370B1-940A-5987-671E-87EC71B18AEB}"/>
               </a:ext>
             </a:extLst>
@@ -3715,19 +3470,34 @@
           <a:lstStyle/>
           <a:p>
             <a:r>
+              <a:rPr lang="en-GB" dirty="0" err="1"/>
+              <a:t>Oefening</a:t>
+            </a:r>
+            <a:r>
               <a:rPr lang="en-GB" dirty="0"/>
+              <a:t> 4 : Database </a:t>
+            </a:r>
+            <a:r>
+              <a:rPr lang="en-GB" dirty="0" err="1"/>
+              <a:t>applicatie</a:t>
+            </a:r>
+            <a:br>
+              <a:rPr lang="nl-NL" dirty="0"/>
+            </a:br>
+            <a:r>
+              <a:rPr lang="en-GB" sz="2000" dirty="0"/>
               <a:t>Maak </a:t>
             </a:r>
             <a:r>
-              <a:rPr lang="en-GB" dirty="0" err="1"/>
+              <a:rPr lang="en-GB" sz="2000" dirty="0" err="1"/>
               <a:t>een</a:t>
             </a:r>
             <a:r>
-              <a:rPr lang="en-GB" dirty="0"/>
+              <a:rPr lang="en-GB" sz="2000" dirty="0"/>
               <a:t> maven project </a:t>
             </a:r>
             <a:r>
-              <a:rPr lang="en-GB" dirty="0" err="1"/>
+              <a:rPr lang="en-GB" sz="2000" dirty="0" err="1"/>
               <a:t>aan</a:t>
             </a:r>
             <a:endParaRPr lang="LID4096" dirty="0"/>
@@ -3786,7 +3556,7 @@
         </p:blipFill>
         <p:spPr>
           <a:xfrm>
-            <a:off x="838200" y="4180209"/>
+            <a:off x="928492" y="4118792"/>
             <a:ext cx="5430008" cy="1752845"/>
           </a:xfrm>
           <a:prstGeom prst="rect">
@@ -3844,7 +3614,7 @@
         </p:nvSpPr>
         <p:spPr>
           <a:xfrm>
-            <a:off x="838200" y="5992898"/>
+            <a:off x="875015" y="5933054"/>
             <a:ext cx="729687" cy="369332"/>
           </a:xfrm>
           <a:prstGeom prst="rect">
@@ -3870,6 +3640,2491 @@
     <p:extLst>
       <p:ext uri="{BB962C8B-B14F-4D97-AF65-F5344CB8AC3E}">
         <p14:creationId xmlns:p14="http://schemas.microsoft.com/office/powerpoint/2010/main" val="4265216231"/>
+      </p:ext>
+    </p:extLst>
+  </p:cSld>
+  <p:clrMapOvr>
+    <a:masterClrMapping/>
+  </p:clrMapOvr>
+</p:sld>
+</file>
+
+<file path=ppt/slides/slide11.xml><?xml version="1.0" encoding="utf-8"?>
+<p:sld xmlns:a="http://schemas.openxmlformats.org/drawingml/2006/main" xmlns:r="http://schemas.openxmlformats.org/officeDocument/2006/relationships" xmlns:p="http://schemas.openxmlformats.org/presentationml/2006/main">
+  <p:cSld>
+    <p:spTree>
+      <p:nvGrpSpPr>
+        <p:cNvPr id="1" name=""/>
+        <p:cNvGrpSpPr/>
+        <p:nvPr/>
+      </p:nvGrpSpPr>
+      <p:grpSpPr>
+        <a:xfrm>
+          <a:off x="0" y="0"/>
+          <a:ext cx="0" cy="0"/>
+          <a:chOff x="0" y="0"/>
+          <a:chExt cx="0" cy="0"/>
+        </a:xfrm>
+      </p:grpSpPr>
+      <p:sp>
+        <p:nvSpPr>
+          <p:cNvPr id="2" name="Title 1">
+            <a:extLst>
+              <a:ext uri="{FF2B5EF4-FFF2-40B4-BE49-F238E27FC236}">
+                <a16:creationId xmlns:a16="http://schemas.microsoft.com/office/drawing/2014/main" id="{321BA7AB-850F-421A-4B29-24C0FDB767B4}"/>
+              </a:ext>
+            </a:extLst>
+          </p:cNvPr>
+          <p:cNvSpPr>
+            <a:spLocks noGrp="1"/>
+          </p:cNvSpPr>
+          <p:nvPr>
+            <p:ph type="title"/>
+          </p:nvPr>
+        </p:nvSpPr>
+        <p:spPr/>
+        <p:txBody>
+          <a:bodyPr/>
+          <a:lstStyle/>
+          <a:p>
+            <a:r>
+              <a:rPr lang="en-US" dirty="0" err="1"/>
+              <a:t>Voeg</a:t>
+            </a:r>
+            <a:r>
+              <a:rPr lang="en-US" dirty="0"/>
+              <a:t> maven dependency in pom.xml</a:t>
+            </a:r>
+            <a:endParaRPr lang="nl-NL" dirty="0"/>
+          </a:p>
+        </p:txBody>
+      </p:sp>
+      <p:sp>
+        <p:nvSpPr>
+          <p:cNvPr id="3" name="Content Placeholder 2">
+            <a:extLst>
+              <a:ext uri="{FF2B5EF4-FFF2-40B4-BE49-F238E27FC236}">
+                <a16:creationId xmlns:a16="http://schemas.microsoft.com/office/drawing/2014/main" id="{B13F4157-473D-6069-3403-0CEE96571C0A}"/>
+              </a:ext>
+            </a:extLst>
+          </p:cNvPr>
+          <p:cNvSpPr>
+            <a:spLocks noGrp="1"/>
+          </p:cNvSpPr>
+          <p:nvPr>
+            <p:ph idx="1"/>
+          </p:nvPr>
+        </p:nvSpPr>
+        <p:spPr/>
+        <p:txBody>
+          <a:bodyPr>
+            <a:normAutofit fontScale="62500" lnSpcReduction="20000"/>
+          </a:bodyPr>
+          <a:lstStyle/>
+          <a:p>
+            <a:pPr marL="0" indent="0">
+              <a:buNone/>
+            </a:pPr>
+            <a:r>
+              <a:rPr lang="nl-NL" sz="1800" dirty="0">
+                <a:solidFill>
+                  <a:srgbClr val="000000"/>
+                </a:solidFill>
+                <a:effectLst/>
+                <a:latin typeface="Courier New" panose="02070309020205020404" pitchFamily="49" charset="0"/>
+              </a:rPr>
+              <a:t>&lt;</a:t>
+            </a:r>
+            <a:r>
+              <a:rPr lang="nl-NL" sz="1800" dirty="0">
+                <a:solidFill>
+                  <a:srgbClr val="268BD2"/>
+                </a:solidFill>
+                <a:effectLst/>
+                <a:latin typeface="Courier New" panose="02070309020205020404" pitchFamily="49" charset="0"/>
+              </a:rPr>
+              <a:t>project</a:t>
+            </a:r>
+            <a:r>
+              <a:rPr lang="nl-NL" sz="1800" dirty="0">
+                <a:solidFill>
+                  <a:srgbClr val="000000"/>
+                </a:solidFill>
+                <a:effectLst/>
+                <a:latin typeface="Courier New" panose="02070309020205020404" pitchFamily="49" charset="0"/>
+              </a:rPr>
+              <a:t> </a:t>
+            </a:r>
+            <a:r>
+              <a:rPr lang="nl-NL" sz="1800" dirty="0">
+                <a:solidFill>
+                  <a:srgbClr val="93A1A1"/>
+                </a:solidFill>
+                <a:effectLst/>
+                <a:latin typeface="Courier New" panose="02070309020205020404" pitchFamily="49" charset="0"/>
+              </a:rPr>
+              <a:t>xmlns</a:t>
+            </a:r>
+            <a:r>
+              <a:rPr lang="nl-NL" sz="1800" dirty="0">
+                <a:solidFill>
+                  <a:srgbClr val="000000"/>
+                </a:solidFill>
+                <a:effectLst/>
+                <a:latin typeface="Courier New" panose="02070309020205020404" pitchFamily="49" charset="0"/>
+              </a:rPr>
+              <a:t>=</a:t>
+            </a:r>
+            <a:r>
+              <a:rPr lang="nl-NL" sz="1800" dirty="0">
+                <a:solidFill>
+                  <a:srgbClr val="93A1A1"/>
+                </a:solidFill>
+                <a:effectLst/>
+                <a:latin typeface="Courier New" panose="02070309020205020404" pitchFamily="49" charset="0"/>
+              </a:rPr>
+              <a:t>"</a:t>
+            </a:r>
+            <a:r>
+              <a:rPr lang="nl-NL" sz="1800" dirty="0">
+                <a:solidFill>
+                  <a:srgbClr val="2AA198"/>
+                </a:solidFill>
+                <a:effectLst/>
+                <a:latin typeface="Courier New" panose="02070309020205020404" pitchFamily="49" charset="0"/>
+              </a:rPr>
+              <a:t>http://maven.apache.org/POM/4.0.0</a:t>
+            </a:r>
+            <a:r>
+              <a:rPr lang="nl-NL" sz="1800" dirty="0">
+                <a:solidFill>
+                  <a:srgbClr val="93A1A1"/>
+                </a:solidFill>
+                <a:effectLst/>
+                <a:latin typeface="Courier New" panose="02070309020205020404" pitchFamily="49" charset="0"/>
+              </a:rPr>
+              <a:t>"</a:t>
+            </a:r>
+            <a:r>
+              <a:rPr lang="nl-NL" sz="1800" dirty="0">
+                <a:solidFill>
+                  <a:srgbClr val="000000"/>
+                </a:solidFill>
+                <a:effectLst/>
+                <a:latin typeface="Courier New" panose="02070309020205020404" pitchFamily="49" charset="0"/>
+              </a:rPr>
+              <a:t> </a:t>
+            </a:r>
+            <a:r>
+              <a:rPr lang="nl-NL" sz="1800" dirty="0">
+                <a:solidFill>
+                  <a:srgbClr val="93A1A1"/>
+                </a:solidFill>
+                <a:effectLst/>
+                <a:latin typeface="Courier New" panose="02070309020205020404" pitchFamily="49" charset="0"/>
+              </a:rPr>
+              <a:t>xmlns:xsi</a:t>
+            </a:r>
+            <a:r>
+              <a:rPr lang="nl-NL" sz="1800" dirty="0">
+                <a:solidFill>
+                  <a:srgbClr val="000000"/>
+                </a:solidFill>
+                <a:effectLst/>
+                <a:latin typeface="Courier New" panose="02070309020205020404" pitchFamily="49" charset="0"/>
+              </a:rPr>
+              <a:t>=</a:t>
+            </a:r>
+            <a:r>
+              <a:rPr lang="nl-NL" sz="1800" dirty="0">
+                <a:solidFill>
+                  <a:srgbClr val="93A1A1"/>
+                </a:solidFill>
+                <a:effectLst/>
+                <a:latin typeface="Courier New" panose="02070309020205020404" pitchFamily="49" charset="0"/>
+              </a:rPr>
+              <a:t>"</a:t>
+            </a:r>
+            <a:r>
+              <a:rPr lang="nl-NL" sz="1800" dirty="0">
+                <a:solidFill>
+                  <a:srgbClr val="2AA198"/>
+                </a:solidFill>
+                <a:effectLst/>
+                <a:latin typeface="Courier New" panose="02070309020205020404" pitchFamily="49" charset="0"/>
+              </a:rPr>
+              <a:t>http://www.w3.org/2001/XMLSchema-instance</a:t>
+            </a:r>
+            <a:r>
+              <a:rPr lang="nl-NL" sz="1800" dirty="0">
+                <a:solidFill>
+                  <a:srgbClr val="93A1A1"/>
+                </a:solidFill>
+                <a:effectLst/>
+                <a:latin typeface="Courier New" panose="02070309020205020404" pitchFamily="49" charset="0"/>
+              </a:rPr>
+              <a:t>"</a:t>
+            </a:r>
+            <a:r>
+              <a:rPr lang="nl-NL" sz="1800" dirty="0">
+                <a:solidFill>
+                  <a:srgbClr val="000000"/>
+                </a:solidFill>
+                <a:effectLst/>
+                <a:latin typeface="Courier New" panose="02070309020205020404" pitchFamily="49" charset="0"/>
+              </a:rPr>
+              <a:t> </a:t>
+            </a:r>
+            <a:r>
+              <a:rPr lang="nl-NL" sz="1800" dirty="0">
+                <a:solidFill>
+                  <a:srgbClr val="93A1A1"/>
+                </a:solidFill>
+                <a:effectLst/>
+                <a:latin typeface="Courier New" panose="02070309020205020404" pitchFamily="49" charset="0"/>
+              </a:rPr>
+              <a:t>xsi:schemaLocation</a:t>
+            </a:r>
+            <a:r>
+              <a:rPr lang="nl-NL" sz="1800" dirty="0">
+                <a:solidFill>
+                  <a:srgbClr val="000000"/>
+                </a:solidFill>
+                <a:effectLst/>
+                <a:latin typeface="Courier New" panose="02070309020205020404" pitchFamily="49" charset="0"/>
+              </a:rPr>
+              <a:t>=</a:t>
+            </a:r>
+            <a:r>
+              <a:rPr lang="nl-NL" sz="1800" dirty="0">
+                <a:solidFill>
+                  <a:srgbClr val="93A1A1"/>
+                </a:solidFill>
+                <a:effectLst/>
+                <a:latin typeface="Courier New" panose="02070309020205020404" pitchFamily="49" charset="0"/>
+              </a:rPr>
+              <a:t>"</a:t>
+            </a:r>
+            <a:r>
+              <a:rPr lang="nl-NL" sz="1800" dirty="0">
+                <a:solidFill>
+                  <a:srgbClr val="2AA198"/>
+                </a:solidFill>
+                <a:effectLst/>
+                <a:latin typeface="Courier New" panose="02070309020205020404" pitchFamily="49" charset="0"/>
+              </a:rPr>
+              <a:t>http://maven.apache.org/POM/4.0.0 </a:t>
+            </a:r>
+            <a:r>
+              <a:rPr lang="nl-NL" sz="1800" u="sng" dirty="0">
+                <a:solidFill>
+                  <a:srgbClr val="2AA198"/>
+                </a:solidFill>
+                <a:effectLst/>
+                <a:latin typeface="Courier New" panose="02070309020205020404" pitchFamily="49" charset="0"/>
+              </a:rPr>
+              <a:t>https://maven.apache.org/xsd/maven-4.0.0.xsd</a:t>
+            </a:r>
+            <a:r>
+              <a:rPr lang="nl-NL" sz="1800" dirty="0">
+                <a:solidFill>
+                  <a:srgbClr val="93A1A1"/>
+                </a:solidFill>
+                <a:effectLst/>
+                <a:latin typeface="Courier New" panose="02070309020205020404" pitchFamily="49" charset="0"/>
+              </a:rPr>
+              <a:t>"</a:t>
+            </a:r>
+            <a:r>
+              <a:rPr lang="nl-NL" sz="1800" dirty="0">
+                <a:solidFill>
+                  <a:srgbClr val="000000"/>
+                </a:solidFill>
+                <a:effectLst/>
+                <a:latin typeface="Courier New" panose="02070309020205020404" pitchFamily="49" charset="0"/>
+              </a:rPr>
+              <a:t>&gt;</a:t>
+            </a:r>
+          </a:p>
+          <a:p>
+            <a:pPr marL="0" indent="0">
+              <a:buNone/>
+            </a:pPr>
+            <a:r>
+              <a:rPr lang="nl-NL" sz="1800" dirty="0">
+                <a:solidFill>
+                  <a:srgbClr val="000000"/>
+                </a:solidFill>
+                <a:effectLst/>
+                <a:latin typeface="Courier New" panose="02070309020205020404" pitchFamily="49" charset="0"/>
+              </a:rPr>
+              <a:t>&lt;</a:t>
+            </a:r>
+            <a:r>
+              <a:rPr lang="nl-NL" sz="1800" dirty="0">
+                <a:solidFill>
+                  <a:srgbClr val="268BD2"/>
+                </a:solidFill>
+                <a:effectLst/>
+                <a:latin typeface="Courier New" panose="02070309020205020404" pitchFamily="49" charset="0"/>
+              </a:rPr>
+              <a:t>modelVersion</a:t>
+            </a:r>
+            <a:r>
+              <a:rPr lang="nl-NL" sz="1800" dirty="0">
+                <a:solidFill>
+                  <a:srgbClr val="000000"/>
+                </a:solidFill>
+                <a:effectLst/>
+                <a:latin typeface="Courier New" panose="02070309020205020404" pitchFamily="49" charset="0"/>
+              </a:rPr>
+              <a:t>&gt;4.0.0&lt;/</a:t>
+            </a:r>
+            <a:r>
+              <a:rPr lang="nl-NL" sz="1800" dirty="0">
+                <a:solidFill>
+                  <a:srgbClr val="268BD2"/>
+                </a:solidFill>
+                <a:effectLst/>
+                <a:latin typeface="Courier New" panose="02070309020205020404" pitchFamily="49" charset="0"/>
+              </a:rPr>
+              <a:t>modelVersion</a:t>
+            </a:r>
+            <a:r>
+              <a:rPr lang="nl-NL" sz="1800" dirty="0">
+                <a:solidFill>
+                  <a:srgbClr val="000000"/>
+                </a:solidFill>
+                <a:effectLst/>
+                <a:latin typeface="Courier New" panose="02070309020205020404" pitchFamily="49" charset="0"/>
+              </a:rPr>
+              <a:t>&gt;</a:t>
+            </a:r>
+          </a:p>
+          <a:p>
+            <a:pPr marL="0" indent="0">
+              <a:buNone/>
+            </a:pPr>
+            <a:r>
+              <a:rPr lang="nl-NL" sz="1800" dirty="0">
+                <a:solidFill>
+                  <a:srgbClr val="000000"/>
+                </a:solidFill>
+                <a:effectLst/>
+                <a:latin typeface="Courier New" panose="02070309020205020404" pitchFamily="49" charset="0"/>
+              </a:rPr>
+              <a:t>&lt;</a:t>
+            </a:r>
+            <a:r>
+              <a:rPr lang="nl-NL" sz="1800" dirty="0">
+                <a:solidFill>
+                  <a:srgbClr val="268BD2"/>
+                </a:solidFill>
+                <a:effectLst/>
+                <a:latin typeface="Courier New" panose="02070309020205020404" pitchFamily="49" charset="0"/>
+              </a:rPr>
+              <a:t>groupId</a:t>
+            </a:r>
+            <a:r>
+              <a:rPr lang="nl-NL" sz="1800" dirty="0">
+                <a:solidFill>
+                  <a:srgbClr val="000000"/>
+                </a:solidFill>
+                <a:effectLst/>
+                <a:latin typeface="Courier New" panose="02070309020205020404" pitchFamily="49" charset="0"/>
+              </a:rPr>
+              <a:t>&gt;com.capgemini.training&lt;/</a:t>
+            </a:r>
+            <a:r>
+              <a:rPr lang="nl-NL" sz="1800" dirty="0">
+                <a:solidFill>
+                  <a:srgbClr val="268BD2"/>
+                </a:solidFill>
+                <a:effectLst/>
+                <a:latin typeface="Courier New" panose="02070309020205020404" pitchFamily="49" charset="0"/>
+              </a:rPr>
+              <a:t>groupId</a:t>
+            </a:r>
+            <a:r>
+              <a:rPr lang="nl-NL" sz="1800" dirty="0">
+                <a:solidFill>
+                  <a:srgbClr val="000000"/>
+                </a:solidFill>
+                <a:effectLst/>
+                <a:latin typeface="Courier New" panose="02070309020205020404" pitchFamily="49" charset="0"/>
+              </a:rPr>
+              <a:t>&gt;</a:t>
+            </a:r>
+          </a:p>
+          <a:p>
+            <a:pPr marL="0" indent="0">
+              <a:buNone/>
+            </a:pPr>
+            <a:r>
+              <a:rPr lang="nl-NL" sz="1800" dirty="0">
+                <a:solidFill>
+                  <a:srgbClr val="000000"/>
+                </a:solidFill>
+                <a:effectLst/>
+                <a:latin typeface="Courier New" panose="02070309020205020404" pitchFamily="49" charset="0"/>
+              </a:rPr>
+              <a:t>&lt;</a:t>
+            </a:r>
+            <a:r>
+              <a:rPr lang="nl-NL" sz="1800" dirty="0">
+                <a:solidFill>
+                  <a:srgbClr val="268BD2"/>
+                </a:solidFill>
+                <a:effectLst/>
+                <a:latin typeface="Courier New" panose="02070309020205020404" pitchFamily="49" charset="0"/>
+              </a:rPr>
+              <a:t>artifactId</a:t>
+            </a:r>
+            <a:r>
+              <a:rPr lang="nl-NL" sz="1800" dirty="0">
+                <a:solidFill>
+                  <a:srgbClr val="000000"/>
+                </a:solidFill>
+                <a:effectLst/>
+                <a:latin typeface="Courier New" panose="02070309020205020404" pitchFamily="49" charset="0"/>
+              </a:rPr>
+              <a:t>&gt;dbapp&lt;/</a:t>
+            </a:r>
+            <a:r>
+              <a:rPr lang="nl-NL" sz="1800" dirty="0">
+                <a:solidFill>
+                  <a:srgbClr val="268BD2"/>
+                </a:solidFill>
+                <a:effectLst/>
+                <a:latin typeface="Courier New" panose="02070309020205020404" pitchFamily="49" charset="0"/>
+              </a:rPr>
+              <a:t>artifactId</a:t>
+            </a:r>
+            <a:r>
+              <a:rPr lang="nl-NL" sz="1800" dirty="0">
+                <a:solidFill>
+                  <a:srgbClr val="000000"/>
+                </a:solidFill>
+                <a:effectLst/>
+                <a:latin typeface="Courier New" panose="02070309020205020404" pitchFamily="49" charset="0"/>
+              </a:rPr>
+              <a:t>&gt;</a:t>
+            </a:r>
+          </a:p>
+          <a:p>
+            <a:pPr marL="0" indent="0">
+              <a:buNone/>
+            </a:pPr>
+            <a:r>
+              <a:rPr lang="nl-NL" sz="1800" dirty="0">
+                <a:solidFill>
+                  <a:srgbClr val="000000"/>
+                </a:solidFill>
+                <a:effectLst/>
+                <a:latin typeface="Courier New" panose="02070309020205020404" pitchFamily="49" charset="0"/>
+              </a:rPr>
+              <a:t>&lt;</a:t>
+            </a:r>
+            <a:r>
+              <a:rPr lang="nl-NL" sz="1800" dirty="0">
+                <a:solidFill>
+                  <a:srgbClr val="268BD2"/>
+                </a:solidFill>
+                <a:effectLst/>
+                <a:latin typeface="Courier New" panose="02070309020205020404" pitchFamily="49" charset="0"/>
+              </a:rPr>
+              <a:t>version</a:t>
+            </a:r>
+            <a:r>
+              <a:rPr lang="nl-NL" sz="1800" dirty="0">
+                <a:solidFill>
+                  <a:srgbClr val="000000"/>
+                </a:solidFill>
+                <a:effectLst/>
+                <a:latin typeface="Courier New" panose="02070309020205020404" pitchFamily="49" charset="0"/>
+              </a:rPr>
+              <a:t>&gt;0.0.1-SNAPSHOT&lt;/</a:t>
+            </a:r>
+            <a:r>
+              <a:rPr lang="nl-NL" sz="1800" dirty="0">
+                <a:solidFill>
+                  <a:srgbClr val="268BD2"/>
+                </a:solidFill>
+                <a:effectLst/>
+                <a:latin typeface="Courier New" panose="02070309020205020404" pitchFamily="49" charset="0"/>
+              </a:rPr>
+              <a:t>version</a:t>
+            </a:r>
+            <a:r>
+              <a:rPr lang="nl-NL" sz="1800" dirty="0">
+                <a:solidFill>
+                  <a:srgbClr val="000000"/>
+                </a:solidFill>
+                <a:effectLst/>
+                <a:latin typeface="Courier New" panose="02070309020205020404" pitchFamily="49" charset="0"/>
+              </a:rPr>
+              <a:t>&gt;</a:t>
+            </a:r>
+          </a:p>
+          <a:p>
+            <a:pPr marL="0" indent="0">
+              <a:buNone/>
+            </a:pPr>
+            <a:r>
+              <a:rPr lang="nl-NL" sz="1800" dirty="0">
+                <a:solidFill>
+                  <a:srgbClr val="000000"/>
+                </a:solidFill>
+                <a:effectLst/>
+                <a:latin typeface="Courier New" panose="02070309020205020404" pitchFamily="49" charset="0"/>
+              </a:rPr>
+              <a:t>&lt;</a:t>
+            </a:r>
+            <a:r>
+              <a:rPr lang="nl-NL" sz="1800" dirty="0">
+                <a:solidFill>
+                  <a:srgbClr val="268BD2"/>
+                </a:solidFill>
+                <a:effectLst/>
+                <a:latin typeface="Courier New" panose="02070309020205020404" pitchFamily="49" charset="0"/>
+              </a:rPr>
+              <a:t>dependencies</a:t>
+            </a:r>
+            <a:r>
+              <a:rPr lang="nl-NL" sz="1800" dirty="0">
+                <a:solidFill>
+                  <a:srgbClr val="000000"/>
+                </a:solidFill>
+                <a:effectLst/>
+                <a:latin typeface="Courier New" panose="02070309020205020404" pitchFamily="49" charset="0"/>
+              </a:rPr>
+              <a:t>&gt;</a:t>
+            </a:r>
+          </a:p>
+          <a:p>
+            <a:pPr marL="0" indent="0">
+              <a:buNone/>
+            </a:pPr>
+            <a:r>
+              <a:rPr lang="nl-NL" sz="1800" dirty="0">
+                <a:solidFill>
+                  <a:srgbClr val="000000"/>
+                </a:solidFill>
+                <a:effectLst/>
+                <a:latin typeface="Courier New" panose="02070309020205020404" pitchFamily="49" charset="0"/>
+              </a:rPr>
+              <a:t>&lt;</a:t>
+            </a:r>
+            <a:r>
+              <a:rPr lang="nl-NL" sz="1800" dirty="0">
+                <a:solidFill>
+                  <a:srgbClr val="268BD2"/>
+                </a:solidFill>
+                <a:effectLst/>
+                <a:latin typeface="Courier New" panose="02070309020205020404" pitchFamily="49" charset="0"/>
+              </a:rPr>
+              <a:t>dependency</a:t>
+            </a:r>
+            <a:r>
+              <a:rPr lang="nl-NL" sz="1800" dirty="0">
+                <a:solidFill>
+                  <a:srgbClr val="000000"/>
+                </a:solidFill>
+                <a:effectLst/>
+                <a:latin typeface="Courier New" panose="02070309020205020404" pitchFamily="49" charset="0"/>
+              </a:rPr>
+              <a:t>&gt;</a:t>
+            </a:r>
+          </a:p>
+          <a:p>
+            <a:pPr marL="0" indent="0">
+              <a:buNone/>
+            </a:pPr>
+            <a:r>
+              <a:rPr lang="nl-NL" sz="1800" dirty="0">
+                <a:solidFill>
+                  <a:srgbClr val="000000"/>
+                </a:solidFill>
+                <a:effectLst/>
+                <a:latin typeface="Courier New" panose="02070309020205020404" pitchFamily="49" charset="0"/>
+              </a:rPr>
+              <a:t>&lt;</a:t>
+            </a:r>
+            <a:r>
+              <a:rPr lang="nl-NL" sz="1800" dirty="0">
+                <a:solidFill>
+                  <a:srgbClr val="268BD2"/>
+                </a:solidFill>
+                <a:effectLst/>
+                <a:latin typeface="Courier New" panose="02070309020205020404" pitchFamily="49" charset="0"/>
+              </a:rPr>
+              <a:t>groupId</a:t>
+            </a:r>
+            <a:r>
+              <a:rPr lang="nl-NL" sz="1800" dirty="0">
+                <a:solidFill>
+                  <a:srgbClr val="000000"/>
+                </a:solidFill>
+                <a:effectLst/>
+                <a:latin typeface="Courier New" panose="02070309020205020404" pitchFamily="49" charset="0"/>
+              </a:rPr>
+              <a:t>&gt;mysql&lt;/</a:t>
+            </a:r>
+            <a:r>
+              <a:rPr lang="nl-NL" sz="1800" dirty="0">
+                <a:solidFill>
+                  <a:srgbClr val="268BD2"/>
+                </a:solidFill>
+                <a:effectLst/>
+                <a:latin typeface="Courier New" panose="02070309020205020404" pitchFamily="49" charset="0"/>
+              </a:rPr>
+              <a:t>groupId</a:t>
+            </a:r>
+            <a:r>
+              <a:rPr lang="nl-NL" sz="1800" dirty="0">
+                <a:solidFill>
+                  <a:srgbClr val="000000"/>
+                </a:solidFill>
+                <a:effectLst/>
+                <a:latin typeface="Courier New" panose="02070309020205020404" pitchFamily="49" charset="0"/>
+              </a:rPr>
+              <a:t>&gt;</a:t>
+            </a:r>
+          </a:p>
+          <a:p>
+            <a:pPr marL="0" indent="0">
+              <a:buNone/>
+            </a:pPr>
+            <a:r>
+              <a:rPr lang="nl-NL" sz="1800" dirty="0">
+                <a:solidFill>
+                  <a:srgbClr val="000000"/>
+                </a:solidFill>
+                <a:effectLst/>
+                <a:latin typeface="Courier New" panose="02070309020205020404" pitchFamily="49" charset="0"/>
+              </a:rPr>
+              <a:t>&lt;</a:t>
+            </a:r>
+            <a:r>
+              <a:rPr lang="nl-NL" sz="1800" dirty="0">
+                <a:solidFill>
+                  <a:srgbClr val="268BD2"/>
+                </a:solidFill>
+                <a:effectLst/>
+                <a:latin typeface="Courier New" panose="02070309020205020404" pitchFamily="49" charset="0"/>
+              </a:rPr>
+              <a:t>artifactId</a:t>
+            </a:r>
+            <a:r>
+              <a:rPr lang="nl-NL" sz="1800" dirty="0">
+                <a:solidFill>
+                  <a:srgbClr val="000000"/>
+                </a:solidFill>
+                <a:effectLst/>
+                <a:latin typeface="Courier New" panose="02070309020205020404" pitchFamily="49" charset="0"/>
+              </a:rPr>
+              <a:t>&gt;mysql-connector-java&lt;/</a:t>
+            </a:r>
+            <a:r>
+              <a:rPr lang="nl-NL" sz="1800" dirty="0">
+                <a:solidFill>
+                  <a:srgbClr val="268BD2"/>
+                </a:solidFill>
+                <a:effectLst/>
+                <a:latin typeface="Courier New" panose="02070309020205020404" pitchFamily="49" charset="0"/>
+              </a:rPr>
+              <a:t>artifactId</a:t>
+            </a:r>
+            <a:r>
+              <a:rPr lang="nl-NL" sz="1800" dirty="0">
+                <a:solidFill>
+                  <a:srgbClr val="000000"/>
+                </a:solidFill>
+                <a:effectLst/>
+                <a:latin typeface="Courier New" panose="02070309020205020404" pitchFamily="49" charset="0"/>
+              </a:rPr>
+              <a:t>&gt;</a:t>
+            </a:r>
+          </a:p>
+          <a:p>
+            <a:pPr marL="0" indent="0">
+              <a:buNone/>
+            </a:pPr>
+            <a:r>
+              <a:rPr lang="nl-NL" sz="1800" dirty="0">
+                <a:solidFill>
+                  <a:srgbClr val="000000"/>
+                </a:solidFill>
+                <a:effectLst/>
+                <a:latin typeface="Courier New" panose="02070309020205020404" pitchFamily="49" charset="0"/>
+              </a:rPr>
+              <a:t>&lt;</a:t>
+            </a:r>
+            <a:r>
+              <a:rPr lang="nl-NL" sz="1800" dirty="0">
+                <a:solidFill>
+                  <a:srgbClr val="268BD2"/>
+                </a:solidFill>
+                <a:effectLst/>
+                <a:latin typeface="Courier New" panose="02070309020205020404" pitchFamily="49" charset="0"/>
+              </a:rPr>
+              <a:t>version</a:t>
+            </a:r>
+            <a:r>
+              <a:rPr lang="nl-NL" sz="1800" dirty="0">
+                <a:solidFill>
+                  <a:srgbClr val="000000"/>
+                </a:solidFill>
+                <a:effectLst/>
+                <a:latin typeface="Courier New" panose="02070309020205020404" pitchFamily="49" charset="0"/>
+              </a:rPr>
+              <a:t>&gt;8.0.28&lt;/</a:t>
+            </a:r>
+            <a:r>
+              <a:rPr lang="nl-NL" sz="1800" dirty="0">
+                <a:solidFill>
+                  <a:srgbClr val="268BD2"/>
+                </a:solidFill>
+                <a:effectLst/>
+                <a:latin typeface="Courier New" panose="02070309020205020404" pitchFamily="49" charset="0"/>
+              </a:rPr>
+              <a:t>version</a:t>
+            </a:r>
+            <a:r>
+              <a:rPr lang="nl-NL" sz="1800" dirty="0">
+                <a:solidFill>
+                  <a:srgbClr val="000000"/>
+                </a:solidFill>
+                <a:effectLst/>
+                <a:latin typeface="Courier New" panose="02070309020205020404" pitchFamily="49" charset="0"/>
+              </a:rPr>
+              <a:t>&gt;</a:t>
+            </a:r>
+          </a:p>
+          <a:p>
+            <a:pPr marL="0" indent="0">
+              <a:buNone/>
+            </a:pPr>
+            <a:r>
+              <a:rPr lang="nl-NL" sz="1800" dirty="0">
+                <a:solidFill>
+                  <a:srgbClr val="000000"/>
+                </a:solidFill>
+                <a:effectLst/>
+                <a:latin typeface="Courier New" panose="02070309020205020404" pitchFamily="49" charset="0"/>
+              </a:rPr>
+              <a:t>&lt;/</a:t>
+            </a:r>
+            <a:r>
+              <a:rPr lang="nl-NL" sz="1800" dirty="0">
+                <a:solidFill>
+                  <a:srgbClr val="268BD2"/>
+                </a:solidFill>
+                <a:effectLst/>
+                <a:latin typeface="Courier New" panose="02070309020205020404" pitchFamily="49" charset="0"/>
+              </a:rPr>
+              <a:t>dependency</a:t>
+            </a:r>
+            <a:r>
+              <a:rPr lang="nl-NL" sz="1800" dirty="0">
+                <a:solidFill>
+                  <a:srgbClr val="000000"/>
+                </a:solidFill>
+                <a:effectLst/>
+                <a:latin typeface="Courier New" panose="02070309020205020404" pitchFamily="49" charset="0"/>
+              </a:rPr>
+              <a:t>&gt;</a:t>
+            </a:r>
+          </a:p>
+          <a:p>
+            <a:pPr marL="0" indent="0">
+              <a:buNone/>
+            </a:pPr>
+            <a:r>
+              <a:rPr lang="nl-NL" sz="1800" dirty="0">
+                <a:solidFill>
+                  <a:srgbClr val="000000"/>
+                </a:solidFill>
+                <a:effectLst/>
+                <a:latin typeface="Courier New" panose="02070309020205020404" pitchFamily="49" charset="0"/>
+              </a:rPr>
+              <a:t>&lt;/</a:t>
+            </a:r>
+            <a:r>
+              <a:rPr lang="nl-NL" sz="1800" dirty="0">
+                <a:solidFill>
+                  <a:srgbClr val="268BD2"/>
+                </a:solidFill>
+                <a:effectLst/>
+                <a:latin typeface="Courier New" panose="02070309020205020404" pitchFamily="49" charset="0"/>
+              </a:rPr>
+              <a:t>dependencies</a:t>
+            </a:r>
+            <a:r>
+              <a:rPr lang="nl-NL" sz="1800" dirty="0">
+                <a:solidFill>
+                  <a:srgbClr val="000000"/>
+                </a:solidFill>
+                <a:effectLst/>
+                <a:latin typeface="Courier New" panose="02070309020205020404" pitchFamily="49" charset="0"/>
+              </a:rPr>
+              <a:t>&gt;</a:t>
+            </a:r>
+          </a:p>
+          <a:p>
+            <a:pPr marL="0" indent="0">
+              <a:buNone/>
+            </a:pPr>
+            <a:r>
+              <a:rPr lang="nl-NL" sz="1800" dirty="0">
+                <a:solidFill>
+                  <a:srgbClr val="000000"/>
+                </a:solidFill>
+                <a:effectLst/>
+                <a:latin typeface="Courier New" panose="02070309020205020404" pitchFamily="49" charset="0"/>
+              </a:rPr>
+              <a:t>&lt;/</a:t>
+            </a:r>
+            <a:r>
+              <a:rPr lang="nl-NL" sz="1800" dirty="0">
+                <a:solidFill>
+                  <a:srgbClr val="268BD2"/>
+                </a:solidFill>
+                <a:effectLst/>
+                <a:latin typeface="Courier New" panose="02070309020205020404" pitchFamily="49" charset="0"/>
+              </a:rPr>
+              <a:t>project</a:t>
+            </a:r>
+            <a:r>
+              <a:rPr lang="nl-NL" sz="1800" dirty="0">
+                <a:solidFill>
+                  <a:srgbClr val="000000"/>
+                </a:solidFill>
+                <a:effectLst/>
+                <a:latin typeface="Courier New" panose="02070309020205020404" pitchFamily="49" charset="0"/>
+              </a:rPr>
+              <a:t>&gt;</a:t>
+            </a:r>
+          </a:p>
+          <a:p>
+            <a:endParaRPr lang="en-US" sz="1800" dirty="0">
+              <a:solidFill>
+                <a:srgbClr val="000000"/>
+              </a:solidFill>
+              <a:latin typeface="Courier New" panose="02070309020205020404" pitchFamily="49" charset="0"/>
+            </a:endParaRPr>
+          </a:p>
+          <a:p>
+            <a:r>
+              <a:rPr lang="en-US" sz="1800" dirty="0" err="1">
+                <a:solidFill>
+                  <a:srgbClr val="000000"/>
+                </a:solidFill>
+                <a:latin typeface="Courier New" panose="02070309020205020404" pitchFamily="49" charset="0"/>
+              </a:rPr>
+              <a:t>Rechterklik</a:t>
+            </a:r>
+            <a:r>
+              <a:rPr lang="en-US" sz="1800" dirty="0">
+                <a:solidFill>
+                  <a:srgbClr val="000000"/>
+                </a:solidFill>
+                <a:latin typeface="Courier New" panose="02070309020205020404" pitchFamily="49" charset="0"/>
+              </a:rPr>
+              <a:t> op project</a:t>
+            </a:r>
+          </a:p>
+          <a:p>
+            <a:r>
+              <a:rPr lang="en-US" sz="1800" dirty="0">
+                <a:solidFill>
+                  <a:srgbClr val="000000"/>
+                </a:solidFill>
+                <a:effectLst/>
+                <a:latin typeface="Courier New" panose="02070309020205020404" pitchFamily="49" charset="0"/>
+              </a:rPr>
+              <a:t>R</a:t>
+            </a:r>
+            <a:r>
+              <a:rPr lang="en-US" sz="1800" dirty="0">
+                <a:solidFill>
+                  <a:srgbClr val="000000"/>
+                </a:solidFill>
+                <a:latin typeface="Courier New" panose="02070309020205020404" pitchFamily="49" charset="0"/>
+              </a:rPr>
+              <a:t>UNAS Maven Clean</a:t>
+            </a:r>
+          </a:p>
+          <a:p>
+            <a:r>
+              <a:rPr lang="en-US" sz="1800" dirty="0" err="1">
+                <a:solidFill>
+                  <a:srgbClr val="000000"/>
+                </a:solidFill>
+                <a:effectLst/>
+                <a:latin typeface="Courier New" panose="02070309020205020404" pitchFamily="49" charset="0"/>
+              </a:rPr>
+              <a:t>Daarna</a:t>
+            </a:r>
+            <a:r>
+              <a:rPr lang="en-US" sz="1800" dirty="0">
+                <a:solidFill>
+                  <a:srgbClr val="000000"/>
+                </a:solidFill>
+                <a:effectLst/>
+                <a:latin typeface="Courier New" panose="02070309020205020404" pitchFamily="49" charset="0"/>
+              </a:rPr>
+              <a:t> RUNAS Maven </a:t>
+            </a:r>
+            <a:r>
+              <a:rPr lang="en-US" sz="1800" dirty="0">
+                <a:solidFill>
+                  <a:srgbClr val="000000"/>
+                </a:solidFill>
+                <a:latin typeface="Courier New" panose="02070309020205020404" pitchFamily="49" charset="0"/>
+              </a:rPr>
+              <a:t>Install</a:t>
+            </a:r>
+            <a:endParaRPr lang="en-US" sz="1800" dirty="0">
+              <a:solidFill>
+                <a:srgbClr val="000000"/>
+              </a:solidFill>
+              <a:effectLst/>
+              <a:latin typeface="Courier New" panose="02070309020205020404" pitchFamily="49" charset="0"/>
+            </a:endParaRPr>
+          </a:p>
+          <a:p>
+            <a:pPr marL="0" indent="0">
+              <a:buNone/>
+            </a:pPr>
+            <a:endParaRPr lang="nl-NL" dirty="0"/>
+          </a:p>
+        </p:txBody>
+      </p:sp>
+    </p:spTree>
+    <p:extLst>
+      <p:ext uri="{BB962C8B-B14F-4D97-AF65-F5344CB8AC3E}">
+        <p14:creationId xmlns:p14="http://schemas.microsoft.com/office/powerpoint/2010/main" val="3919172620"/>
+      </p:ext>
+    </p:extLst>
+  </p:cSld>
+  <p:clrMapOvr>
+    <a:masterClrMapping/>
+  </p:clrMapOvr>
+</p:sld>
+</file>
+
+<file path=ppt/slides/slide12.xml><?xml version="1.0" encoding="utf-8"?>
+<p:sld xmlns:a="http://schemas.openxmlformats.org/drawingml/2006/main" xmlns:r="http://schemas.openxmlformats.org/officeDocument/2006/relationships" xmlns:p="http://schemas.openxmlformats.org/presentationml/2006/main">
+  <p:cSld>
+    <p:spTree>
+      <p:nvGrpSpPr>
+        <p:cNvPr id="1" name=""/>
+        <p:cNvGrpSpPr/>
+        <p:nvPr/>
+      </p:nvGrpSpPr>
+      <p:grpSpPr>
+        <a:xfrm>
+          <a:off x="0" y="0"/>
+          <a:ext cx="0" cy="0"/>
+          <a:chOff x="0" y="0"/>
+          <a:chExt cx="0" cy="0"/>
+        </a:xfrm>
+      </p:grpSpPr>
+      <p:sp>
+        <p:nvSpPr>
+          <p:cNvPr id="2" name="Title 1">
+            <a:extLst>
+              <a:ext uri="{FF2B5EF4-FFF2-40B4-BE49-F238E27FC236}">
+                <a16:creationId xmlns:a16="http://schemas.microsoft.com/office/drawing/2014/main" id="{469DE937-45D9-BEF6-D15E-A8474BA85B1B}"/>
+              </a:ext>
+            </a:extLst>
+          </p:cNvPr>
+          <p:cNvSpPr>
+            <a:spLocks noGrp="1"/>
+          </p:cNvSpPr>
+          <p:nvPr>
+            <p:ph type="title"/>
+          </p:nvPr>
+        </p:nvSpPr>
+        <p:spPr/>
+        <p:txBody>
+          <a:bodyPr/>
+          <a:lstStyle/>
+          <a:p>
+            <a:r>
+              <a:rPr lang="en-US" dirty="0"/>
+              <a:t>Start </a:t>
+            </a:r>
+            <a:r>
+              <a:rPr lang="en-US" dirty="0" err="1"/>
+              <a:t>apache</a:t>
+            </a:r>
+            <a:r>
+              <a:rPr lang="en-US" dirty="0"/>
+              <a:t> </a:t>
+            </a:r>
+            <a:r>
+              <a:rPr lang="en-US" dirty="0" err="1"/>
+              <a:t>en</a:t>
+            </a:r>
+            <a:r>
+              <a:rPr lang="en-US" dirty="0"/>
+              <a:t> </a:t>
+            </a:r>
+            <a:r>
+              <a:rPr lang="en-US" dirty="0" err="1"/>
+              <a:t>mysql</a:t>
+            </a:r>
+            <a:endParaRPr lang="nl-NL" dirty="0"/>
+          </a:p>
+        </p:txBody>
+      </p:sp>
+      <p:sp>
+        <p:nvSpPr>
+          <p:cNvPr id="3" name="Content Placeholder 2">
+            <a:extLst>
+              <a:ext uri="{FF2B5EF4-FFF2-40B4-BE49-F238E27FC236}">
+                <a16:creationId xmlns:a16="http://schemas.microsoft.com/office/drawing/2014/main" id="{2D854834-01CE-AF6B-D616-8ECC01C1AC18}"/>
+              </a:ext>
+            </a:extLst>
+          </p:cNvPr>
+          <p:cNvSpPr>
+            <a:spLocks noGrp="1"/>
+          </p:cNvSpPr>
+          <p:nvPr>
+            <p:ph idx="1"/>
+          </p:nvPr>
+        </p:nvSpPr>
+        <p:spPr/>
+        <p:txBody>
+          <a:bodyPr>
+            <a:normAutofit fontScale="92500" lnSpcReduction="10000"/>
+          </a:bodyPr>
+          <a:lstStyle/>
+          <a:p>
+            <a:r>
+              <a:rPr lang="nl-NL" dirty="0"/>
+              <a:t>Start XAMPP</a:t>
+            </a:r>
+          </a:p>
+          <a:p>
+            <a:r>
+              <a:rPr lang="nl-NL" dirty="0"/>
+              <a:t>Start MYSQL </a:t>
+            </a:r>
+          </a:p>
+          <a:p>
+            <a:r>
+              <a:rPr lang="nl-NL" dirty="0"/>
+              <a:t>Start Apache</a:t>
+            </a:r>
+          </a:p>
+          <a:p>
+            <a:r>
+              <a:rPr lang="nl-NL" dirty="0">
+                <a:hlinkClick r:id="rId2"/>
+              </a:rPr>
+              <a:t>localhost / 127.0.0.1 | phpMyAdmin 5.2.1</a:t>
+            </a:r>
+            <a:endParaRPr lang="nl-NL" dirty="0"/>
+          </a:p>
+          <a:p>
+            <a:r>
+              <a:rPr lang="nl-NL" dirty="0"/>
+              <a:t>Maak database &lt;training&gt; aan </a:t>
+            </a:r>
+          </a:p>
+          <a:p>
+            <a:r>
+              <a:rPr lang="nl-NL" dirty="0"/>
+              <a:t>Maak tabel aan met naam &lt;clients&gt;</a:t>
+            </a:r>
+          </a:p>
+          <a:p>
+            <a:r>
+              <a:rPr lang="nl-NL" dirty="0"/>
+              <a:t>Voeg de volgende kolommen toe: Userid (int), firstname (varchar), lastname (varchar), username (varchar)</a:t>
+            </a:r>
+          </a:p>
+          <a:p>
+            <a:r>
+              <a:rPr lang="nl-NL" dirty="0"/>
+              <a:t>Maak een aantal gevulde records</a:t>
+            </a:r>
+          </a:p>
+          <a:p>
+            <a:r>
+              <a:rPr lang="nl-NL" dirty="0"/>
+              <a:t>Maak de een class start aan en gebruik de code van de volgende slide</a:t>
+            </a:r>
+          </a:p>
+          <a:p>
+            <a:endParaRPr lang="nl-NL" dirty="0"/>
+          </a:p>
+          <a:p>
+            <a:endParaRPr lang="nl-NL" dirty="0"/>
+          </a:p>
+        </p:txBody>
+      </p:sp>
+    </p:spTree>
+    <p:extLst>
+      <p:ext uri="{BB962C8B-B14F-4D97-AF65-F5344CB8AC3E}">
+        <p14:creationId xmlns:p14="http://schemas.microsoft.com/office/powerpoint/2010/main" val="1222723025"/>
+      </p:ext>
+    </p:extLst>
+  </p:cSld>
+  <p:clrMapOvr>
+    <a:masterClrMapping/>
+  </p:clrMapOvr>
+</p:sld>
+</file>
+
+<file path=ppt/slides/slide13.xml><?xml version="1.0" encoding="utf-8"?>
+<p:sld xmlns:a="http://schemas.openxmlformats.org/drawingml/2006/main" xmlns:r="http://schemas.openxmlformats.org/officeDocument/2006/relationships" xmlns:p="http://schemas.openxmlformats.org/presentationml/2006/main">
+  <p:cSld>
+    <p:spTree>
+      <p:nvGrpSpPr>
+        <p:cNvPr id="1" name=""/>
+        <p:cNvGrpSpPr/>
+        <p:nvPr/>
+      </p:nvGrpSpPr>
+      <p:grpSpPr>
+        <a:xfrm>
+          <a:off x="0" y="0"/>
+          <a:ext cx="0" cy="0"/>
+          <a:chOff x="0" y="0"/>
+          <a:chExt cx="0" cy="0"/>
+        </a:xfrm>
+      </p:grpSpPr>
+      <p:sp>
+        <p:nvSpPr>
+          <p:cNvPr id="3" name="Content Placeholder 2">
+            <a:extLst>
+              <a:ext uri="{FF2B5EF4-FFF2-40B4-BE49-F238E27FC236}">
+                <a16:creationId xmlns:a16="http://schemas.microsoft.com/office/drawing/2014/main" id="{2D73C794-6093-1132-3A36-FA61342CDB0E}"/>
+              </a:ext>
+            </a:extLst>
+          </p:cNvPr>
+          <p:cNvSpPr>
+            <a:spLocks noGrp="1"/>
+          </p:cNvSpPr>
+          <p:nvPr>
+            <p:ph idx="1"/>
+          </p:nvPr>
+        </p:nvSpPr>
+        <p:spPr>
+          <a:xfrm>
+            <a:off x="527481" y="387442"/>
+            <a:ext cx="10515600" cy="4351338"/>
+          </a:xfrm>
+        </p:spPr>
+        <p:txBody>
+          <a:bodyPr>
+            <a:noAutofit/>
+          </a:bodyPr>
+          <a:lstStyle/>
+          <a:p>
+            <a:pPr marL="0" indent="0">
+              <a:buNone/>
+            </a:pPr>
+            <a:r>
+              <a:rPr lang="nl-NL" sz="1400" b="1" dirty="0">
+                <a:solidFill>
+                  <a:srgbClr val="7F0055"/>
+                </a:solidFill>
+                <a:effectLst/>
+                <a:latin typeface="Courier New" panose="02070309020205020404" pitchFamily="49" charset="0"/>
+              </a:rPr>
+              <a:t>package</a:t>
+            </a:r>
+            <a:r>
+              <a:rPr lang="nl-NL" sz="1400" dirty="0">
+                <a:solidFill>
+                  <a:srgbClr val="000000"/>
+                </a:solidFill>
+                <a:effectLst/>
+                <a:latin typeface="Courier New" panose="02070309020205020404" pitchFamily="49" charset="0"/>
+              </a:rPr>
+              <a:t> dbapp;</a:t>
+            </a:r>
+          </a:p>
+          <a:p>
+            <a:pPr marL="0" indent="0">
+              <a:buNone/>
+            </a:pPr>
+            <a:r>
+              <a:rPr lang="nl-NL" sz="1400" b="1" dirty="0">
+                <a:solidFill>
+                  <a:srgbClr val="7F0055"/>
+                </a:solidFill>
+                <a:effectLst/>
+                <a:latin typeface="Courier New" panose="02070309020205020404" pitchFamily="49" charset="0"/>
+              </a:rPr>
+              <a:t>import</a:t>
+            </a:r>
+            <a:r>
+              <a:rPr lang="nl-NL" sz="1400" dirty="0">
+                <a:solidFill>
+                  <a:srgbClr val="000000"/>
+                </a:solidFill>
+                <a:effectLst/>
+                <a:latin typeface="Courier New" panose="02070309020205020404" pitchFamily="49" charset="0"/>
+              </a:rPr>
+              <a:t> java.sql.*;</a:t>
+            </a:r>
+          </a:p>
+          <a:p>
+            <a:pPr marL="0" indent="0">
+              <a:buNone/>
+            </a:pPr>
+            <a:r>
+              <a:rPr lang="nl-NL" sz="1400" b="1" dirty="0">
+                <a:solidFill>
+                  <a:srgbClr val="7F0055"/>
+                </a:solidFill>
+                <a:effectLst/>
+                <a:latin typeface="Courier New" panose="02070309020205020404" pitchFamily="49" charset="0"/>
+              </a:rPr>
+              <a:t>public</a:t>
+            </a:r>
+            <a:r>
+              <a:rPr lang="nl-NL" sz="1400" dirty="0">
+                <a:solidFill>
+                  <a:srgbClr val="000000"/>
+                </a:solidFill>
+                <a:effectLst/>
+                <a:latin typeface="Courier New" panose="02070309020205020404" pitchFamily="49" charset="0"/>
+              </a:rPr>
+              <a:t> </a:t>
+            </a:r>
+            <a:r>
+              <a:rPr lang="nl-NL" sz="1400" b="1" dirty="0">
+                <a:solidFill>
+                  <a:srgbClr val="7F0055"/>
+                </a:solidFill>
+                <a:effectLst/>
+                <a:latin typeface="Courier New" panose="02070309020205020404" pitchFamily="49" charset="0"/>
+              </a:rPr>
+              <a:t>class</a:t>
+            </a:r>
+            <a:r>
+              <a:rPr lang="nl-NL" sz="1400" dirty="0">
+                <a:solidFill>
+                  <a:srgbClr val="000000"/>
+                </a:solidFill>
+                <a:effectLst/>
+                <a:latin typeface="Courier New" panose="02070309020205020404" pitchFamily="49" charset="0"/>
+              </a:rPr>
+              <a:t> start {</a:t>
+            </a:r>
+          </a:p>
+          <a:p>
+            <a:pPr marL="0" indent="0">
+              <a:buNone/>
+            </a:pPr>
+            <a:r>
+              <a:rPr lang="nl-NL" sz="1400" b="1" dirty="0">
+                <a:solidFill>
+                  <a:srgbClr val="7F0055"/>
+                </a:solidFill>
+                <a:effectLst/>
+                <a:latin typeface="Courier New" panose="02070309020205020404" pitchFamily="49" charset="0"/>
+              </a:rPr>
+              <a:t>public</a:t>
+            </a:r>
+            <a:r>
+              <a:rPr lang="nl-NL" sz="1400" dirty="0">
+                <a:solidFill>
+                  <a:srgbClr val="000000"/>
+                </a:solidFill>
+                <a:effectLst/>
+                <a:latin typeface="Courier New" panose="02070309020205020404" pitchFamily="49" charset="0"/>
+              </a:rPr>
+              <a:t> </a:t>
+            </a:r>
+            <a:r>
+              <a:rPr lang="nl-NL" sz="1400" b="1" dirty="0">
+                <a:solidFill>
+                  <a:srgbClr val="7F0055"/>
+                </a:solidFill>
+                <a:effectLst/>
+                <a:latin typeface="Courier New" panose="02070309020205020404" pitchFamily="49" charset="0"/>
+              </a:rPr>
+              <a:t>static</a:t>
+            </a:r>
+            <a:r>
+              <a:rPr lang="nl-NL" sz="1400" dirty="0">
+                <a:solidFill>
+                  <a:srgbClr val="000000"/>
+                </a:solidFill>
+                <a:effectLst/>
+                <a:latin typeface="Courier New" panose="02070309020205020404" pitchFamily="49" charset="0"/>
+              </a:rPr>
+              <a:t> </a:t>
+            </a:r>
+            <a:r>
+              <a:rPr lang="nl-NL" sz="1400" b="1" dirty="0">
+                <a:solidFill>
+                  <a:srgbClr val="7F0055"/>
+                </a:solidFill>
+                <a:effectLst/>
+                <a:latin typeface="Courier New" panose="02070309020205020404" pitchFamily="49" charset="0"/>
+              </a:rPr>
+              <a:t>void</a:t>
+            </a:r>
+            <a:r>
+              <a:rPr lang="nl-NL" sz="1400" dirty="0">
+                <a:solidFill>
+                  <a:srgbClr val="000000"/>
+                </a:solidFill>
+                <a:effectLst/>
+                <a:latin typeface="Courier New" panose="02070309020205020404" pitchFamily="49" charset="0"/>
+              </a:rPr>
+              <a:t> main(String[] </a:t>
+            </a:r>
+            <a:r>
+              <a:rPr lang="nl-NL" sz="1400" dirty="0">
+                <a:solidFill>
+                  <a:srgbClr val="6A3E3E"/>
+                </a:solidFill>
+                <a:effectLst/>
+                <a:latin typeface="Courier New" panose="02070309020205020404" pitchFamily="49" charset="0"/>
+              </a:rPr>
+              <a:t>args</a:t>
+            </a:r>
+            <a:r>
+              <a:rPr lang="nl-NL" sz="1400" dirty="0">
+                <a:solidFill>
+                  <a:srgbClr val="000000"/>
+                </a:solidFill>
+                <a:effectLst/>
+                <a:latin typeface="Courier New" panose="02070309020205020404" pitchFamily="49" charset="0"/>
+              </a:rPr>
+              <a:t>) </a:t>
+            </a:r>
+            <a:r>
+              <a:rPr lang="nl-NL" sz="1400" b="1" dirty="0">
+                <a:solidFill>
+                  <a:srgbClr val="7F0055"/>
+                </a:solidFill>
+                <a:effectLst/>
+                <a:latin typeface="Courier New" panose="02070309020205020404" pitchFamily="49" charset="0"/>
+              </a:rPr>
+              <a:t>throws</a:t>
+            </a:r>
+            <a:r>
+              <a:rPr lang="nl-NL" sz="1400" dirty="0">
+                <a:solidFill>
+                  <a:srgbClr val="000000"/>
+                </a:solidFill>
+                <a:effectLst/>
+                <a:latin typeface="Courier New" panose="02070309020205020404" pitchFamily="49" charset="0"/>
+              </a:rPr>
+              <a:t> SQLException, ClassNotFoundException {</a:t>
+            </a:r>
+          </a:p>
+          <a:p>
+            <a:pPr marL="0" indent="0">
+              <a:buNone/>
+            </a:pPr>
+            <a:r>
+              <a:rPr lang="nl-NL" sz="1400" dirty="0">
+                <a:solidFill>
+                  <a:srgbClr val="3F7F5F"/>
+                </a:solidFill>
+                <a:effectLst/>
+                <a:latin typeface="Courier New" panose="02070309020205020404" pitchFamily="49" charset="0"/>
+              </a:rPr>
+              <a:t>// create our </a:t>
+            </a:r>
+            <a:r>
+              <a:rPr lang="nl-NL" sz="1400" u="sng" dirty="0">
+                <a:solidFill>
+                  <a:srgbClr val="3F7F5F"/>
+                </a:solidFill>
+                <a:effectLst/>
+                <a:latin typeface="Courier New" panose="02070309020205020404" pitchFamily="49" charset="0"/>
+              </a:rPr>
+              <a:t>mysql</a:t>
+            </a:r>
+            <a:r>
+              <a:rPr lang="nl-NL" sz="1400" dirty="0">
+                <a:solidFill>
+                  <a:srgbClr val="3F7F5F"/>
+                </a:solidFill>
+                <a:effectLst/>
+                <a:latin typeface="Courier New" panose="02070309020205020404" pitchFamily="49" charset="0"/>
+              </a:rPr>
+              <a:t> database connection</a:t>
+            </a:r>
+            <a:endParaRPr lang="nl-NL" sz="1400" dirty="0">
+              <a:solidFill>
+                <a:srgbClr val="000000"/>
+              </a:solidFill>
+              <a:effectLst/>
+              <a:latin typeface="Courier New" panose="02070309020205020404" pitchFamily="49" charset="0"/>
+            </a:endParaRPr>
+          </a:p>
+          <a:p>
+            <a:pPr marL="0" indent="0">
+              <a:buNone/>
+            </a:pPr>
+            <a:r>
+              <a:rPr lang="nl-NL" sz="1400" dirty="0">
+                <a:solidFill>
+                  <a:srgbClr val="000000"/>
+                </a:solidFill>
+                <a:effectLst/>
+                <a:latin typeface="Courier New" panose="02070309020205020404" pitchFamily="49" charset="0"/>
+              </a:rPr>
+              <a:t>Class.</a:t>
+            </a:r>
+            <a:r>
+              <a:rPr lang="nl-NL" sz="1400" i="1" dirty="0">
+                <a:solidFill>
+                  <a:srgbClr val="000000"/>
+                </a:solidFill>
+                <a:effectLst/>
+                <a:latin typeface="Courier New" panose="02070309020205020404" pitchFamily="49" charset="0"/>
+              </a:rPr>
+              <a:t>forName</a:t>
+            </a:r>
+            <a:r>
+              <a:rPr lang="nl-NL" sz="1400" dirty="0">
+                <a:solidFill>
+                  <a:srgbClr val="000000"/>
+                </a:solidFill>
+                <a:effectLst/>
+                <a:latin typeface="Courier New" panose="02070309020205020404" pitchFamily="49" charset="0"/>
+              </a:rPr>
+              <a:t>(</a:t>
+            </a:r>
+            <a:r>
+              <a:rPr lang="nl-NL" sz="1400" dirty="0">
+                <a:solidFill>
+                  <a:srgbClr val="2A00FF"/>
+                </a:solidFill>
+                <a:effectLst/>
+                <a:latin typeface="Courier New" panose="02070309020205020404" pitchFamily="49" charset="0"/>
+              </a:rPr>
+              <a:t>"com.mysql.cj.jdbc.Driver"</a:t>
+            </a:r>
+            <a:r>
+              <a:rPr lang="nl-NL" sz="1400" dirty="0">
+                <a:solidFill>
+                  <a:srgbClr val="000000"/>
+                </a:solidFill>
+                <a:effectLst/>
+                <a:latin typeface="Courier New" panose="02070309020205020404" pitchFamily="49" charset="0"/>
+              </a:rPr>
+              <a:t>); </a:t>
+            </a:r>
+          </a:p>
+          <a:p>
+            <a:pPr marL="0" indent="0">
+              <a:buNone/>
+            </a:pPr>
+            <a:r>
+              <a:rPr lang="nl-NL" sz="1400" dirty="0">
+                <a:solidFill>
+                  <a:srgbClr val="000000"/>
+                </a:solidFill>
+                <a:effectLst/>
+                <a:latin typeface="Courier New" panose="02070309020205020404" pitchFamily="49" charset="0"/>
+              </a:rPr>
+              <a:t>Connection </a:t>
+            </a:r>
+            <a:r>
+              <a:rPr lang="nl-NL" sz="1400" dirty="0">
+                <a:solidFill>
+                  <a:srgbClr val="6A3E3E"/>
+                </a:solidFill>
+                <a:effectLst/>
+                <a:latin typeface="Courier New" panose="02070309020205020404" pitchFamily="49" charset="0"/>
+              </a:rPr>
+              <a:t>con</a:t>
+            </a:r>
+            <a:r>
+              <a:rPr lang="nl-NL" sz="1400" dirty="0">
+                <a:solidFill>
+                  <a:srgbClr val="000000"/>
+                </a:solidFill>
+                <a:effectLst/>
+                <a:latin typeface="Courier New" panose="02070309020205020404" pitchFamily="49" charset="0"/>
+              </a:rPr>
+              <a:t>=DriverManager.</a:t>
+            </a:r>
+            <a:r>
+              <a:rPr lang="nl-NL" sz="1400" i="1" dirty="0">
+                <a:solidFill>
+                  <a:srgbClr val="000000"/>
+                </a:solidFill>
+                <a:effectLst/>
+                <a:latin typeface="Courier New" panose="02070309020205020404" pitchFamily="49" charset="0"/>
+              </a:rPr>
+              <a:t>getConnection</a:t>
+            </a:r>
+            <a:r>
+              <a:rPr lang="nl-NL" sz="1400" dirty="0">
+                <a:solidFill>
+                  <a:srgbClr val="000000"/>
+                </a:solidFill>
+                <a:effectLst/>
+                <a:latin typeface="Courier New" panose="02070309020205020404" pitchFamily="49" charset="0"/>
+              </a:rPr>
+              <a:t>( </a:t>
+            </a:r>
+          </a:p>
+          <a:p>
+            <a:pPr marL="0" indent="0">
+              <a:buNone/>
+            </a:pPr>
+            <a:r>
+              <a:rPr lang="nl-NL" sz="1400" dirty="0">
+                <a:solidFill>
+                  <a:srgbClr val="2A00FF"/>
+                </a:solidFill>
+                <a:effectLst/>
+                <a:latin typeface="Courier New" panose="02070309020205020404" pitchFamily="49" charset="0"/>
+              </a:rPr>
+              <a:t>"jdbc:mysql://localhost:3306/training"</a:t>
+            </a:r>
+            <a:r>
+              <a:rPr lang="nl-NL" sz="1400" dirty="0">
+                <a:solidFill>
+                  <a:srgbClr val="000000"/>
+                </a:solidFill>
+                <a:effectLst/>
+                <a:latin typeface="Courier New" panose="02070309020205020404" pitchFamily="49" charset="0"/>
+              </a:rPr>
+              <a:t>,</a:t>
+            </a:r>
+            <a:r>
+              <a:rPr lang="nl-NL" sz="1400" dirty="0">
+                <a:solidFill>
+                  <a:srgbClr val="2A00FF"/>
+                </a:solidFill>
+                <a:effectLst/>
+                <a:latin typeface="Courier New" panose="02070309020205020404" pitchFamily="49" charset="0"/>
+              </a:rPr>
+              <a:t>"root"</a:t>
+            </a:r>
+            <a:r>
+              <a:rPr lang="nl-NL" sz="1400" dirty="0">
+                <a:solidFill>
+                  <a:srgbClr val="000000"/>
+                </a:solidFill>
+                <a:effectLst/>
+                <a:latin typeface="Courier New" panose="02070309020205020404" pitchFamily="49" charset="0"/>
+              </a:rPr>
+              <a:t>,</a:t>
+            </a:r>
+            <a:r>
+              <a:rPr lang="nl-NL" sz="1400" dirty="0">
+                <a:solidFill>
+                  <a:srgbClr val="2A00FF"/>
+                </a:solidFill>
+                <a:effectLst/>
+                <a:latin typeface="Courier New" panose="02070309020205020404" pitchFamily="49" charset="0"/>
+              </a:rPr>
+              <a:t>""</a:t>
+            </a:r>
+            <a:r>
+              <a:rPr lang="nl-NL" sz="1400" dirty="0">
+                <a:solidFill>
+                  <a:srgbClr val="000000"/>
+                </a:solidFill>
+                <a:effectLst/>
+                <a:latin typeface="Courier New" panose="02070309020205020404" pitchFamily="49" charset="0"/>
+              </a:rPr>
+              <a:t>); </a:t>
+            </a:r>
+          </a:p>
+          <a:p>
+            <a:pPr marL="0" indent="0">
+              <a:buNone/>
+            </a:pPr>
+            <a:r>
+              <a:rPr lang="nl-NL" sz="1400" dirty="0">
+                <a:solidFill>
+                  <a:srgbClr val="000000"/>
+                </a:solidFill>
+                <a:effectLst/>
+                <a:latin typeface="Courier New" panose="02070309020205020404" pitchFamily="49" charset="0"/>
+              </a:rPr>
+              <a:t>Statement </a:t>
+            </a:r>
+            <a:r>
+              <a:rPr lang="nl-NL" sz="1400" dirty="0">
+                <a:solidFill>
+                  <a:srgbClr val="6A3E3E"/>
+                </a:solidFill>
+                <a:effectLst/>
+                <a:latin typeface="Courier New" panose="02070309020205020404" pitchFamily="49" charset="0"/>
+              </a:rPr>
+              <a:t>stmt</a:t>
+            </a:r>
+            <a:r>
+              <a:rPr lang="nl-NL" sz="1400" dirty="0">
+                <a:solidFill>
+                  <a:srgbClr val="000000"/>
+                </a:solidFill>
+                <a:effectLst/>
+                <a:latin typeface="Courier New" panose="02070309020205020404" pitchFamily="49" charset="0"/>
+              </a:rPr>
+              <a:t>=</a:t>
+            </a:r>
+            <a:r>
+              <a:rPr lang="nl-NL" sz="1400" dirty="0">
+                <a:solidFill>
+                  <a:srgbClr val="6A3E3E"/>
+                </a:solidFill>
+                <a:effectLst/>
+                <a:latin typeface="Courier New" panose="02070309020205020404" pitchFamily="49" charset="0"/>
+              </a:rPr>
+              <a:t>con</a:t>
+            </a:r>
+            <a:r>
+              <a:rPr lang="nl-NL" sz="1400" dirty="0">
+                <a:solidFill>
+                  <a:srgbClr val="000000"/>
+                </a:solidFill>
+                <a:effectLst/>
+                <a:latin typeface="Courier New" panose="02070309020205020404" pitchFamily="49" charset="0"/>
+              </a:rPr>
+              <a:t>.createStatement(); </a:t>
+            </a:r>
+          </a:p>
+          <a:p>
+            <a:pPr marL="0" indent="0">
+              <a:buNone/>
+            </a:pPr>
+            <a:r>
+              <a:rPr lang="nl-NL" sz="1400" dirty="0">
+                <a:solidFill>
+                  <a:srgbClr val="000000"/>
+                </a:solidFill>
+                <a:effectLst/>
+                <a:latin typeface="Courier New" panose="02070309020205020404" pitchFamily="49" charset="0"/>
+              </a:rPr>
+              <a:t>ResultSet </a:t>
+            </a:r>
+            <a:r>
+              <a:rPr lang="nl-NL" sz="1400" dirty="0">
+                <a:solidFill>
+                  <a:srgbClr val="6A3E3E"/>
+                </a:solidFill>
+                <a:effectLst/>
+                <a:latin typeface="Courier New" panose="02070309020205020404" pitchFamily="49" charset="0"/>
+              </a:rPr>
+              <a:t>rs</a:t>
+            </a:r>
+            <a:r>
+              <a:rPr lang="nl-NL" sz="1400" dirty="0">
+                <a:solidFill>
+                  <a:srgbClr val="000000"/>
+                </a:solidFill>
+                <a:effectLst/>
+                <a:latin typeface="Courier New" panose="02070309020205020404" pitchFamily="49" charset="0"/>
+              </a:rPr>
+              <a:t>=</a:t>
+            </a:r>
+            <a:r>
+              <a:rPr lang="nl-NL" sz="1400" dirty="0">
+                <a:solidFill>
+                  <a:srgbClr val="6A3E3E"/>
+                </a:solidFill>
+                <a:effectLst/>
+                <a:latin typeface="Courier New" panose="02070309020205020404" pitchFamily="49" charset="0"/>
+              </a:rPr>
+              <a:t>stmt</a:t>
+            </a:r>
+            <a:r>
+              <a:rPr lang="nl-NL" sz="1400" dirty="0">
+                <a:solidFill>
+                  <a:srgbClr val="000000"/>
+                </a:solidFill>
+                <a:effectLst/>
+                <a:latin typeface="Courier New" panose="02070309020205020404" pitchFamily="49" charset="0"/>
+              </a:rPr>
+              <a:t>.executeQuery(</a:t>
+            </a:r>
+            <a:r>
+              <a:rPr lang="nl-NL" sz="1400" dirty="0">
+                <a:solidFill>
+                  <a:srgbClr val="2A00FF"/>
+                </a:solidFill>
+                <a:effectLst/>
+                <a:latin typeface="Courier New" panose="02070309020205020404" pitchFamily="49" charset="0"/>
+              </a:rPr>
+              <a:t>"select * from clients"</a:t>
+            </a:r>
+            <a:r>
+              <a:rPr lang="nl-NL" sz="1400" dirty="0">
+                <a:solidFill>
+                  <a:srgbClr val="000000"/>
+                </a:solidFill>
+                <a:effectLst/>
+                <a:latin typeface="Courier New" panose="02070309020205020404" pitchFamily="49" charset="0"/>
+              </a:rPr>
+              <a:t>);</a:t>
+            </a:r>
+          </a:p>
+          <a:p>
+            <a:pPr marL="0" indent="0">
+              <a:buNone/>
+            </a:pPr>
+            <a:r>
+              <a:rPr lang="nl-NL" sz="1400" dirty="0">
+                <a:solidFill>
+                  <a:srgbClr val="3F7F5F"/>
+                </a:solidFill>
+                <a:effectLst/>
+                <a:latin typeface="Courier New" panose="02070309020205020404" pitchFamily="49" charset="0"/>
+              </a:rPr>
+              <a:t>// iterate through the java </a:t>
+            </a:r>
+            <a:r>
+              <a:rPr lang="nl-NL" sz="1400" u="sng" dirty="0">
+                <a:solidFill>
+                  <a:srgbClr val="3F7F5F"/>
+                </a:solidFill>
+                <a:effectLst/>
+                <a:latin typeface="Courier New" panose="02070309020205020404" pitchFamily="49" charset="0"/>
+              </a:rPr>
+              <a:t>resultset</a:t>
+            </a:r>
+            <a:endParaRPr lang="nl-NL" sz="1400" dirty="0">
+              <a:solidFill>
+                <a:srgbClr val="000000"/>
+              </a:solidFill>
+              <a:effectLst/>
+              <a:latin typeface="Courier New" panose="02070309020205020404" pitchFamily="49" charset="0"/>
+            </a:endParaRPr>
+          </a:p>
+          <a:p>
+            <a:pPr marL="0" indent="0">
+              <a:buNone/>
+            </a:pPr>
+            <a:r>
+              <a:rPr lang="nl-NL" sz="1400" dirty="0">
+                <a:solidFill>
+                  <a:srgbClr val="000000"/>
+                </a:solidFill>
+                <a:effectLst/>
+                <a:latin typeface="Courier New" panose="02070309020205020404" pitchFamily="49" charset="0"/>
+              </a:rPr>
+              <a:t>String </a:t>
+            </a:r>
+            <a:r>
+              <a:rPr lang="nl-NL" sz="1400" u="sng" dirty="0">
+                <a:solidFill>
+                  <a:srgbClr val="6A3E3E"/>
+                </a:solidFill>
+                <a:effectLst/>
+                <a:latin typeface="Courier New" panose="02070309020205020404" pitchFamily="49" charset="0"/>
+              </a:rPr>
+              <a:t>responseString</a:t>
+            </a:r>
+            <a:r>
+              <a:rPr lang="nl-NL" sz="1400" dirty="0">
+                <a:solidFill>
+                  <a:srgbClr val="000000"/>
+                </a:solidFill>
+                <a:effectLst/>
+                <a:latin typeface="Courier New" panose="02070309020205020404" pitchFamily="49" charset="0"/>
+              </a:rPr>
+              <a:t> = </a:t>
+            </a:r>
+            <a:r>
+              <a:rPr lang="nl-NL" sz="1400" dirty="0">
+                <a:solidFill>
+                  <a:srgbClr val="2A00FF"/>
+                </a:solidFill>
+                <a:effectLst/>
+                <a:latin typeface="Courier New" panose="02070309020205020404" pitchFamily="49" charset="0"/>
+              </a:rPr>
+              <a:t>"&lt;Table border=1&gt;"</a:t>
+            </a:r>
+            <a:r>
+              <a:rPr lang="nl-NL" sz="1400" dirty="0">
+                <a:solidFill>
+                  <a:srgbClr val="000000"/>
+                </a:solidFill>
+                <a:effectLst/>
+                <a:latin typeface="Courier New" panose="02070309020205020404" pitchFamily="49" charset="0"/>
+              </a:rPr>
+              <a:t>;</a:t>
+            </a:r>
+          </a:p>
+          <a:p>
+            <a:pPr marL="0" indent="0">
+              <a:buNone/>
+            </a:pPr>
+            <a:r>
+              <a:rPr lang="nl-NL" sz="1400" b="1" dirty="0">
+                <a:solidFill>
+                  <a:srgbClr val="7F0055"/>
+                </a:solidFill>
+                <a:effectLst/>
+                <a:latin typeface="Courier New" panose="02070309020205020404" pitchFamily="49" charset="0"/>
+              </a:rPr>
+              <a:t>while</a:t>
+            </a:r>
+            <a:r>
+              <a:rPr lang="nl-NL" sz="1400" dirty="0">
+                <a:solidFill>
+                  <a:srgbClr val="000000"/>
+                </a:solidFill>
+                <a:effectLst/>
+                <a:latin typeface="Courier New" panose="02070309020205020404" pitchFamily="49" charset="0"/>
+              </a:rPr>
+              <a:t> (</a:t>
+            </a:r>
+            <a:r>
+              <a:rPr lang="nl-NL" sz="1400" dirty="0">
+                <a:solidFill>
+                  <a:srgbClr val="6A3E3E"/>
+                </a:solidFill>
+                <a:effectLst/>
+                <a:latin typeface="Courier New" panose="02070309020205020404" pitchFamily="49" charset="0"/>
+              </a:rPr>
+              <a:t>rs</a:t>
+            </a:r>
+            <a:r>
+              <a:rPr lang="nl-NL" sz="1400" dirty="0">
+                <a:solidFill>
+                  <a:srgbClr val="000000"/>
+                </a:solidFill>
+                <a:effectLst/>
+                <a:latin typeface="Courier New" panose="02070309020205020404" pitchFamily="49" charset="0"/>
+              </a:rPr>
+              <a:t>.next())</a:t>
+            </a:r>
+          </a:p>
+          <a:p>
+            <a:pPr marL="0" indent="0">
+              <a:buNone/>
+            </a:pPr>
+            <a:r>
+              <a:rPr lang="nl-NL" sz="1400" dirty="0">
+                <a:solidFill>
+                  <a:srgbClr val="000000"/>
+                </a:solidFill>
+                <a:effectLst/>
+                <a:latin typeface="Courier New" panose="02070309020205020404" pitchFamily="49" charset="0"/>
+              </a:rPr>
+              <a:t>{ String </a:t>
+            </a:r>
+            <a:r>
+              <a:rPr lang="nl-NL" sz="1400" dirty="0">
+                <a:solidFill>
+                  <a:srgbClr val="6A3E3E"/>
+                </a:solidFill>
+                <a:effectLst/>
+                <a:latin typeface="Courier New" panose="02070309020205020404" pitchFamily="49" charset="0"/>
+              </a:rPr>
+              <a:t>firstName</a:t>
+            </a:r>
+            <a:r>
+              <a:rPr lang="nl-NL" sz="1400" dirty="0">
+                <a:solidFill>
+                  <a:srgbClr val="000000"/>
+                </a:solidFill>
+                <a:effectLst/>
+                <a:latin typeface="Courier New" panose="02070309020205020404" pitchFamily="49" charset="0"/>
+              </a:rPr>
+              <a:t> = </a:t>
+            </a:r>
+            <a:r>
+              <a:rPr lang="nl-NL" sz="1400" dirty="0">
+                <a:solidFill>
+                  <a:srgbClr val="6A3E3E"/>
+                </a:solidFill>
+                <a:effectLst/>
+                <a:latin typeface="Courier New" panose="02070309020205020404" pitchFamily="49" charset="0"/>
+              </a:rPr>
+              <a:t>rs</a:t>
+            </a:r>
+            <a:r>
+              <a:rPr lang="nl-NL" sz="1400" dirty="0">
+                <a:solidFill>
+                  <a:srgbClr val="000000"/>
+                </a:solidFill>
+                <a:effectLst/>
+                <a:latin typeface="Courier New" panose="02070309020205020404" pitchFamily="49" charset="0"/>
+              </a:rPr>
+              <a:t>.getString(</a:t>
+            </a:r>
+            <a:r>
+              <a:rPr lang="nl-NL" sz="1400" dirty="0">
+                <a:solidFill>
+                  <a:srgbClr val="2A00FF"/>
+                </a:solidFill>
+                <a:effectLst/>
+                <a:latin typeface="Courier New" panose="02070309020205020404" pitchFamily="49" charset="0"/>
+              </a:rPr>
+              <a:t>"firstname"</a:t>
+            </a:r>
+            <a:r>
+              <a:rPr lang="nl-NL" sz="1400" dirty="0">
+                <a:solidFill>
+                  <a:srgbClr val="000000"/>
+                </a:solidFill>
+                <a:effectLst/>
+                <a:latin typeface="Courier New" panose="02070309020205020404" pitchFamily="49" charset="0"/>
+              </a:rPr>
+              <a:t>);</a:t>
+            </a:r>
+          </a:p>
+          <a:p>
+            <a:pPr marL="0" indent="0">
+              <a:buNone/>
+            </a:pPr>
+            <a:r>
+              <a:rPr lang="nl-NL" sz="1400" dirty="0">
+                <a:solidFill>
+                  <a:srgbClr val="000000"/>
+                </a:solidFill>
+                <a:effectLst/>
+                <a:latin typeface="Courier New" panose="02070309020205020404" pitchFamily="49" charset="0"/>
+              </a:rPr>
+              <a:t>String </a:t>
+            </a:r>
+            <a:r>
+              <a:rPr lang="nl-NL" sz="1400" dirty="0">
+                <a:solidFill>
+                  <a:srgbClr val="6A3E3E"/>
+                </a:solidFill>
+                <a:effectLst/>
+                <a:latin typeface="Courier New" panose="02070309020205020404" pitchFamily="49" charset="0"/>
+              </a:rPr>
+              <a:t>lastName</a:t>
+            </a:r>
+            <a:r>
+              <a:rPr lang="nl-NL" sz="1400" dirty="0">
+                <a:solidFill>
+                  <a:srgbClr val="000000"/>
+                </a:solidFill>
+                <a:effectLst/>
+                <a:latin typeface="Courier New" panose="02070309020205020404" pitchFamily="49" charset="0"/>
+              </a:rPr>
+              <a:t> = </a:t>
+            </a:r>
+            <a:r>
+              <a:rPr lang="nl-NL" sz="1400" dirty="0">
+                <a:solidFill>
+                  <a:srgbClr val="6A3E3E"/>
+                </a:solidFill>
+                <a:effectLst/>
+                <a:latin typeface="Courier New" panose="02070309020205020404" pitchFamily="49" charset="0"/>
+              </a:rPr>
+              <a:t>rs</a:t>
+            </a:r>
+            <a:r>
+              <a:rPr lang="nl-NL" sz="1400" dirty="0">
+                <a:solidFill>
+                  <a:srgbClr val="000000"/>
+                </a:solidFill>
+                <a:effectLst/>
+                <a:latin typeface="Courier New" panose="02070309020205020404" pitchFamily="49" charset="0"/>
+              </a:rPr>
+              <a:t>.getString(</a:t>
+            </a:r>
+            <a:r>
+              <a:rPr lang="nl-NL" sz="1400" dirty="0">
+                <a:solidFill>
+                  <a:srgbClr val="2A00FF"/>
+                </a:solidFill>
+                <a:effectLst/>
+                <a:latin typeface="Courier New" panose="02070309020205020404" pitchFamily="49" charset="0"/>
+              </a:rPr>
+              <a:t>"lastname"</a:t>
+            </a:r>
+            <a:r>
+              <a:rPr lang="nl-NL" sz="1400" dirty="0">
+                <a:solidFill>
+                  <a:srgbClr val="000000"/>
+                </a:solidFill>
+                <a:effectLst/>
+                <a:latin typeface="Courier New" panose="02070309020205020404" pitchFamily="49" charset="0"/>
+              </a:rPr>
+              <a:t>);</a:t>
+            </a:r>
+          </a:p>
+          <a:p>
+            <a:pPr marL="0" indent="0">
+              <a:buNone/>
+            </a:pPr>
+            <a:r>
+              <a:rPr lang="nl-NL" sz="1400" dirty="0">
+                <a:solidFill>
+                  <a:srgbClr val="000000"/>
+                </a:solidFill>
+                <a:effectLst/>
+                <a:latin typeface="Courier New" panose="02070309020205020404" pitchFamily="49" charset="0"/>
+              </a:rPr>
+              <a:t>String </a:t>
+            </a:r>
+            <a:r>
+              <a:rPr lang="nl-NL" sz="1400" dirty="0">
+                <a:solidFill>
+                  <a:srgbClr val="6A3E3E"/>
+                </a:solidFill>
+                <a:effectLst/>
+                <a:latin typeface="Courier New" panose="02070309020205020404" pitchFamily="49" charset="0"/>
+              </a:rPr>
+              <a:t>userName</a:t>
+            </a:r>
+            <a:r>
+              <a:rPr lang="nl-NL" sz="1400" dirty="0">
+                <a:solidFill>
+                  <a:srgbClr val="000000"/>
+                </a:solidFill>
+                <a:effectLst/>
+                <a:latin typeface="Courier New" panose="02070309020205020404" pitchFamily="49" charset="0"/>
+              </a:rPr>
+              <a:t> = </a:t>
+            </a:r>
+            <a:r>
+              <a:rPr lang="nl-NL" sz="1400" dirty="0">
+                <a:solidFill>
+                  <a:srgbClr val="6A3E3E"/>
+                </a:solidFill>
+                <a:effectLst/>
+                <a:latin typeface="Courier New" panose="02070309020205020404" pitchFamily="49" charset="0"/>
+              </a:rPr>
+              <a:t>rs</a:t>
+            </a:r>
+            <a:r>
+              <a:rPr lang="nl-NL" sz="1400" dirty="0">
+                <a:solidFill>
+                  <a:srgbClr val="000000"/>
+                </a:solidFill>
+                <a:effectLst/>
+                <a:latin typeface="Courier New" panose="02070309020205020404" pitchFamily="49" charset="0"/>
+              </a:rPr>
+              <a:t>.getString(</a:t>
+            </a:r>
+            <a:r>
+              <a:rPr lang="nl-NL" sz="1400" dirty="0">
+                <a:solidFill>
+                  <a:srgbClr val="2A00FF"/>
+                </a:solidFill>
+                <a:effectLst/>
+                <a:latin typeface="Courier New" panose="02070309020205020404" pitchFamily="49" charset="0"/>
+              </a:rPr>
+              <a:t>"username"</a:t>
+            </a:r>
+            <a:r>
+              <a:rPr lang="nl-NL" sz="1400" dirty="0">
+                <a:solidFill>
+                  <a:srgbClr val="000000"/>
+                </a:solidFill>
+                <a:effectLst/>
+                <a:latin typeface="Courier New" panose="02070309020205020404" pitchFamily="49" charset="0"/>
+              </a:rPr>
+              <a:t>);</a:t>
+            </a:r>
+          </a:p>
+          <a:p>
+            <a:pPr marL="0" indent="0">
+              <a:buNone/>
+            </a:pPr>
+            <a:r>
+              <a:rPr lang="nl-NL" sz="1400" dirty="0">
+                <a:solidFill>
+                  <a:srgbClr val="000000"/>
+                </a:solidFill>
+                <a:effectLst/>
+                <a:latin typeface="Courier New" panose="02070309020205020404" pitchFamily="49" charset="0"/>
+              </a:rPr>
+              <a:t>System.</a:t>
+            </a:r>
+            <a:r>
+              <a:rPr lang="nl-NL" sz="1400" b="1" i="1" dirty="0">
+                <a:solidFill>
+                  <a:srgbClr val="0000C0"/>
+                </a:solidFill>
+                <a:effectLst/>
+                <a:latin typeface="Courier New" panose="02070309020205020404" pitchFamily="49" charset="0"/>
+              </a:rPr>
+              <a:t>out</a:t>
+            </a:r>
+            <a:r>
+              <a:rPr lang="nl-NL" sz="1400" dirty="0">
+                <a:solidFill>
+                  <a:srgbClr val="000000"/>
+                </a:solidFill>
+                <a:effectLst/>
+                <a:latin typeface="Courier New" panose="02070309020205020404" pitchFamily="49" charset="0"/>
+              </a:rPr>
+              <a:t>.println(</a:t>
+            </a:r>
+            <a:r>
+              <a:rPr lang="nl-NL" sz="1400" dirty="0">
+                <a:solidFill>
+                  <a:srgbClr val="2A00FF"/>
+                </a:solidFill>
+                <a:effectLst/>
+                <a:latin typeface="Courier New" panose="02070309020205020404" pitchFamily="49" charset="0"/>
+              </a:rPr>
+              <a:t>"Voornaam:"</a:t>
+            </a:r>
+            <a:r>
+              <a:rPr lang="nl-NL" sz="1400" dirty="0">
+                <a:solidFill>
+                  <a:srgbClr val="000000"/>
+                </a:solidFill>
+                <a:effectLst/>
+                <a:latin typeface="Courier New" panose="02070309020205020404" pitchFamily="49" charset="0"/>
+              </a:rPr>
+              <a:t>+ </a:t>
+            </a:r>
+            <a:r>
+              <a:rPr lang="nl-NL" sz="1400" dirty="0">
+                <a:solidFill>
+                  <a:srgbClr val="6A3E3E"/>
+                </a:solidFill>
+                <a:effectLst/>
+                <a:latin typeface="Courier New" panose="02070309020205020404" pitchFamily="49" charset="0"/>
+              </a:rPr>
+              <a:t>firstName</a:t>
+            </a:r>
+            <a:r>
+              <a:rPr lang="nl-NL" sz="1400" dirty="0">
+                <a:solidFill>
+                  <a:srgbClr val="000000"/>
+                </a:solidFill>
+                <a:effectLst/>
+                <a:latin typeface="Courier New" panose="02070309020205020404" pitchFamily="49" charset="0"/>
+              </a:rPr>
+              <a:t> +</a:t>
+            </a:r>
+            <a:r>
+              <a:rPr lang="nl-NL" sz="1400" dirty="0">
+                <a:solidFill>
+                  <a:srgbClr val="2A00FF"/>
+                </a:solidFill>
+                <a:effectLst/>
+                <a:latin typeface="Courier New" panose="02070309020205020404" pitchFamily="49" charset="0"/>
+              </a:rPr>
+              <a:t>","</a:t>
+            </a:r>
+            <a:endParaRPr lang="nl-NL" sz="1400" dirty="0">
+              <a:solidFill>
+                <a:srgbClr val="000000"/>
+              </a:solidFill>
+              <a:effectLst/>
+              <a:latin typeface="Courier New" panose="02070309020205020404" pitchFamily="49" charset="0"/>
+            </a:endParaRPr>
+          </a:p>
+          <a:p>
+            <a:pPr marL="0" indent="0">
+              <a:buNone/>
+            </a:pPr>
+            <a:r>
+              <a:rPr lang="nl-NL" sz="1400" dirty="0">
+                <a:solidFill>
+                  <a:srgbClr val="000000"/>
+                </a:solidFill>
+                <a:effectLst/>
+                <a:latin typeface="Courier New" panose="02070309020205020404" pitchFamily="49" charset="0"/>
+              </a:rPr>
+              <a:t>+ </a:t>
+            </a:r>
+            <a:r>
+              <a:rPr lang="nl-NL" sz="1400" dirty="0">
+                <a:solidFill>
+                  <a:srgbClr val="2A00FF"/>
+                </a:solidFill>
+                <a:effectLst/>
+                <a:latin typeface="Courier New" panose="02070309020205020404" pitchFamily="49" charset="0"/>
+              </a:rPr>
+              <a:t>" Achternaam:"</a:t>
+            </a:r>
+            <a:r>
+              <a:rPr lang="nl-NL" sz="1400" dirty="0">
+                <a:solidFill>
+                  <a:srgbClr val="000000"/>
+                </a:solidFill>
+                <a:effectLst/>
+                <a:latin typeface="Courier New" panose="02070309020205020404" pitchFamily="49" charset="0"/>
+              </a:rPr>
+              <a:t>+ </a:t>
+            </a:r>
+            <a:r>
+              <a:rPr lang="nl-NL" sz="1400" dirty="0">
+                <a:solidFill>
+                  <a:srgbClr val="6A3E3E"/>
+                </a:solidFill>
+                <a:effectLst/>
+                <a:latin typeface="Courier New" panose="02070309020205020404" pitchFamily="49" charset="0"/>
+              </a:rPr>
+              <a:t>lastName</a:t>
+            </a:r>
+            <a:r>
+              <a:rPr lang="nl-NL" sz="1400" dirty="0">
+                <a:solidFill>
+                  <a:srgbClr val="000000"/>
+                </a:solidFill>
+                <a:effectLst/>
+                <a:latin typeface="Courier New" panose="02070309020205020404" pitchFamily="49" charset="0"/>
+              </a:rPr>
+              <a:t> </a:t>
+            </a:r>
+          </a:p>
+          <a:p>
+            <a:pPr marL="0" indent="0">
+              <a:buNone/>
+            </a:pPr>
+            <a:r>
+              <a:rPr lang="nl-NL" sz="1400" dirty="0">
+                <a:solidFill>
+                  <a:srgbClr val="000000"/>
+                </a:solidFill>
+                <a:effectLst/>
+                <a:latin typeface="Courier New" panose="02070309020205020404" pitchFamily="49" charset="0"/>
+              </a:rPr>
+              <a:t>+</a:t>
+            </a:r>
+            <a:r>
+              <a:rPr lang="nl-NL" sz="1400" dirty="0">
+                <a:solidFill>
+                  <a:srgbClr val="2A00FF"/>
+                </a:solidFill>
+                <a:effectLst/>
+                <a:latin typeface="Courier New" panose="02070309020205020404" pitchFamily="49" charset="0"/>
+              </a:rPr>
+              <a:t>",UserNaam:"</a:t>
+            </a:r>
+            <a:r>
+              <a:rPr lang="nl-NL" sz="1400" dirty="0">
+                <a:solidFill>
+                  <a:srgbClr val="000000"/>
+                </a:solidFill>
+                <a:effectLst/>
+                <a:latin typeface="Courier New" panose="02070309020205020404" pitchFamily="49" charset="0"/>
+              </a:rPr>
+              <a:t>+ </a:t>
+            </a:r>
+            <a:r>
+              <a:rPr lang="nl-NL" sz="1400" dirty="0">
+                <a:solidFill>
+                  <a:srgbClr val="6A3E3E"/>
+                </a:solidFill>
+                <a:effectLst/>
+                <a:latin typeface="Courier New" panose="02070309020205020404" pitchFamily="49" charset="0"/>
+              </a:rPr>
+              <a:t>userName</a:t>
+            </a:r>
+            <a:r>
+              <a:rPr lang="nl-NL" sz="1400" dirty="0">
+                <a:solidFill>
+                  <a:srgbClr val="000000"/>
+                </a:solidFill>
+                <a:effectLst/>
+                <a:latin typeface="Courier New" panose="02070309020205020404" pitchFamily="49" charset="0"/>
+              </a:rPr>
+              <a:t>); }}}</a:t>
+            </a:r>
+          </a:p>
+          <a:p>
+            <a:endParaRPr lang="nl-NL" sz="1400" dirty="0"/>
+          </a:p>
+        </p:txBody>
+      </p:sp>
+      <p:sp>
+        <p:nvSpPr>
+          <p:cNvPr id="4" name="Rectangle 3">
+            <a:extLst>
+              <a:ext uri="{FF2B5EF4-FFF2-40B4-BE49-F238E27FC236}">
+                <a16:creationId xmlns:a16="http://schemas.microsoft.com/office/drawing/2014/main" id="{E128615F-B4A3-3CD9-2611-B337BCB73A6B}"/>
+              </a:ext>
+            </a:extLst>
+          </p:cNvPr>
+          <p:cNvSpPr/>
+          <p:nvPr/>
+        </p:nvSpPr>
+        <p:spPr>
+          <a:xfrm>
+            <a:off x="7208668" y="4332303"/>
+            <a:ext cx="3897297" cy="1828800"/>
+          </a:xfrm>
+          <a:prstGeom prst="rect">
+            <a:avLst/>
+          </a:prstGeom>
+        </p:spPr>
+        <p:style>
+          <a:lnRef idx="2">
+            <a:schemeClr val="accent6"/>
+          </a:lnRef>
+          <a:fillRef idx="1">
+            <a:schemeClr val="lt1"/>
+          </a:fillRef>
+          <a:effectRef idx="0">
+            <a:schemeClr val="accent6"/>
+          </a:effectRef>
+          <a:fontRef idx="minor">
+            <a:schemeClr val="dk1"/>
+          </a:fontRef>
+        </p:style>
+        <p:txBody>
+          <a:bodyPr rtlCol="0" anchor="ctr"/>
+          <a:lstStyle/>
+          <a:p>
+            <a:pPr algn="ctr"/>
+            <a:r>
+              <a:rPr lang="en-US" dirty="0"/>
+              <a:t>Run de code</a:t>
+            </a:r>
+          </a:p>
+          <a:p>
+            <a:pPr algn="ctr"/>
+            <a:endParaRPr lang="en-US" dirty="0"/>
+          </a:p>
+          <a:p>
+            <a:pPr algn="ctr"/>
+            <a:r>
+              <a:rPr lang="en-US" dirty="0"/>
+              <a:t>Je </a:t>
+            </a:r>
+            <a:r>
+              <a:rPr lang="en-US" dirty="0" err="1"/>
+              <a:t>zou</a:t>
+            </a:r>
+            <a:r>
+              <a:rPr lang="en-US" dirty="0"/>
+              <a:t> de </a:t>
+            </a:r>
+            <a:r>
+              <a:rPr lang="en-US" dirty="0" err="1"/>
+              <a:t>gegevens</a:t>
+            </a:r>
+            <a:r>
+              <a:rPr lang="en-US" dirty="0"/>
+              <a:t> </a:t>
+            </a:r>
+          </a:p>
+          <a:p>
+            <a:pPr algn="ctr"/>
+            <a:r>
+              <a:rPr lang="en-US" dirty="0"/>
+              <a:t>van de database </a:t>
+            </a:r>
+            <a:r>
+              <a:rPr lang="en-US" dirty="0" err="1"/>
+              <a:t>moeten</a:t>
+            </a:r>
+            <a:r>
+              <a:rPr lang="en-US" dirty="0"/>
+              <a:t> </a:t>
+            </a:r>
+            <a:r>
+              <a:rPr lang="en-US" dirty="0" err="1"/>
+              <a:t>zien</a:t>
+            </a:r>
+            <a:endParaRPr lang="nl-NL" dirty="0"/>
+          </a:p>
+        </p:txBody>
+      </p:sp>
+    </p:spTree>
+    <p:extLst>
+      <p:ext uri="{BB962C8B-B14F-4D97-AF65-F5344CB8AC3E}">
+        <p14:creationId xmlns:p14="http://schemas.microsoft.com/office/powerpoint/2010/main" val="1099322828"/>
+      </p:ext>
+    </p:extLst>
+  </p:cSld>
+  <p:clrMapOvr>
+    <a:masterClrMapping/>
+  </p:clrMapOvr>
+</p:sld>
+</file>
+
+<file path=ppt/slides/slide14.xml><?xml version="1.0" encoding="utf-8"?>
+<p:sld xmlns:a="http://schemas.openxmlformats.org/drawingml/2006/main" xmlns:r="http://schemas.openxmlformats.org/officeDocument/2006/relationships" xmlns:p="http://schemas.openxmlformats.org/presentationml/2006/main">
+  <p:cSld>
+    <p:spTree>
+      <p:nvGrpSpPr>
+        <p:cNvPr id="1" name=""/>
+        <p:cNvGrpSpPr/>
+        <p:nvPr/>
+      </p:nvGrpSpPr>
+      <p:grpSpPr>
+        <a:xfrm>
+          <a:off x="0" y="0"/>
+          <a:ext cx="0" cy="0"/>
+          <a:chOff x="0" y="0"/>
+          <a:chExt cx="0" cy="0"/>
+        </a:xfrm>
+      </p:grpSpPr>
+      <p:sp>
+        <p:nvSpPr>
+          <p:cNvPr id="2" name="Title 1">
+            <a:extLst>
+              <a:ext uri="{FF2B5EF4-FFF2-40B4-BE49-F238E27FC236}">
+                <a16:creationId xmlns:a16="http://schemas.microsoft.com/office/drawing/2014/main" id="{DF4B728B-A283-DCAC-BBDB-74F7B2D8C41B}"/>
+              </a:ext>
+            </a:extLst>
+          </p:cNvPr>
+          <p:cNvSpPr>
+            <a:spLocks noGrp="1"/>
+          </p:cNvSpPr>
+          <p:nvPr>
+            <p:ph type="title"/>
+          </p:nvPr>
+        </p:nvSpPr>
+        <p:spPr/>
+        <p:txBody>
+          <a:bodyPr/>
+          <a:lstStyle/>
+          <a:p>
+            <a:r>
+              <a:rPr lang="en-US" dirty="0" err="1"/>
+              <a:t>Oefening</a:t>
+            </a:r>
+            <a:r>
+              <a:rPr lang="en-US" dirty="0"/>
+              <a:t> 5 – Tomcat &amp; Servlets</a:t>
+            </a:r>
+            <a:endParaRPr lang="nl-NL" dirty="0"/>
+          </a:p>
+        </p:txBody>
+      </p:sp>
+      <p:sp>
+        <p:nvSpPr>
+          <p:cNvPr id="3" name="Content Placeholder 2">
+            <a:extLst>
+              <a:ext uri="{FF2B5EF4-FFF2-40B4-BE49-F238E27FC236}">
+                <a16:creationId xmlns:a16="http://schemas.microsoft.com/office/drawing/2014/main" id="{1AB1D7A0-39E2-BBF8-E94E-74987823D0B9}"/>
+              </a:ext>
+            </a:extLst>
+          </p:cNvPr>
+          <p:cNvSpPr>
+            <a:spLocks noGrp="1"/>
+          </p:cNvSpPr>
+          <p:nvPr>
+            <p:ph idx="1"/>
+          </p:nvPr>
+        </p:nvSpPr>
+        <p:spPr/>
+        <p:txBody>
+          <a:bodyPr/>
+          <a:lstStyle/>
+          <a:p>
+            <a:r>
+              <a:rPr lang="en-US" dirty="0"/>
+              <a:t>demo</a:t>
+            </a:r>
+            <a:endParaRPr lang="nl-NL" dirty="0"/>
+          </a:p>
+        </p:txBody>
+      </p:sp>
+    </p:spTree>
+    <p:extLst>
+      <p:ext uri="{BB962C8B-B14F-4D97-AF65-F5344CB8AC3E}">
+        <p14:creationId xmlns:p14="http://schemas.microsoft.com/office/powerpoint/2010/main" val="1883646939"/>
       </p:ext>
     </p:extLst>
   </p:cSld>
